--- a/thesis/abs/BÁO CÁO ĐỒ ÁN CHUYÊN NGÀNH.pptx
+++ b/thesis/abs/BÁO CÁO ĐỒ ÁN CHUYÊN NGÀNH.pptx
@@ -16,9 +16,9 @@
     <p:sldId id="282" r:id="rId10"/>
     <p:sldId id="296" r:id="rId11"/>
     <p:sldId id="262" r:id="rId12"/>
-    <p:sldId id="297" r:id="rId13"/>
-    <p:sldId id="298" r:id="rId14"/>
-    <p:sldId id="299" r:id="rId15"/>
+    <p:sldId id="309" r:id="rId13"/>
+    <p:sldId id="297" r:id="rId14"/>
+    <p:sldId id="310" r:id="rId15"/>
     <p:sldId id="300" r:id="rId16"/>
     <p:sldId id="301" r:id="rId17"/>
     <p:sldId id="277" r:id="rId18"/>
@@ -4644,60 +4644,60 @@
               <a:buNone/>
             </a:pPr>
             <a:r>
-              <a:rPr lang="en-US" sz="2400" dirty="0" err="1">
+              <a:rPr lang="en-US" sz="2400" b="1" dirty="0" err="1">
                 <a:latin typeface="+mj-lt"/>
               </a:rPr>
               <a:t>Dữ</a:t>
             </a:r>
             <a:r>
-              <a:rPr lang="en-US" sz="2400" dirty="0">
+              <a:rPr lang="en-US" sz="2400" b="1" dirty="0">
                 <a:latin typeface="+mj-lt"/>
               </a:rPr>
               <a:t> </a:t>
             </a:r>
             <a:r>
-              <a:rPr lang="en-US" sz="2400" dirty="0" err="1">
+              <a:rPr lang="en-US" sz="2400" b="1" dirty="0" err="1">
                 <a:latin typeface="+mj-lt"/>
               </a:rPr>
               <a:t>liệu</a:t>
             </a:r>
             <a:r>
-              <a:rPr lang="en-US" sz="2400" dirty="0">
+              <a:rPr lang="en-US" sz="2400" b="1" dirty="0">
                 <a:latin typeface="+mj-lt"/>
               </a:rPr>
               <a:t> </a:t>
             </a:r>
             <a:r>
-              <a:rPr lang="en-US" sz="2400" dirty="0" err="1">
+              <a:rPr lang="en-US" sz="2400" b="1" dirty="0" err="1">
                 <a:latin typeface="+mj-lt"/>
               </a:rPr>
               <a:t>dòng</a:t>
             </a:r>
             <a:r>
-              <a:rPr lang="en-US" sz="2400" dirty="0">
+              <a:rPr lang="en-US" sz="2400" b="1" dirty="0">
                 <a:latin typeface="+mj-lt"/>
               </a:rPr>
               <a:t> </a:t>
             </a:r>
             <a:r>
-              <a:rPr lang="en-US" sz="2400" dirty="0" err="1">
+              <a:rPr lang="en-US" sz="2400" b="1" dirty="0" err="1">
                 <a:latin typeface="+mj-lt"/>
               </a:rPr>
               <a:t>thời</a:t>
             </a:r>
             <a:r>
-              <a:rPr lang="en-US" sz="2400" dirty="0">
+              <a:rPr lang="en-US" sz="2400" b="1" dirty="0">
                 <a:latin typeface="+mj-lt"/>
               </a:rPr>
               <a:t> </a:t>
             </a:r>
             <a:r>
-              <a:rPr lang="en-US" sz="2400" dirty="0" err="1">
+              <a:rPr lang="en-US" sz="2400" b="1" dirty="0" err="1">
                 <a:latin typeface="+mj-lt"/>
               </a:rPr>
               <a:t>gian</a:t>
             </a:r>
-            <a:endParaRPr lang="vi-VN" sz="2400" dirty="0">
+            <a:endParaRPr lang="vi-VN" sz="2400" b="1" dirty="0">
               <a:latin typeface="+mj-lt"/>
             </a:endParaRPr>
           </a:p>
@@ -4711,57 +4711,7 @@
                 <a:latin typeface="Palatino Linotype" panose="02040502050505030304" pitchFamily="18" charset="0"/>
                 <a:ea typeface="Times New Roman" panose="02020603050405020304" pitchFamily="18" charset="0"/>
               </a:rPr>
-              <a:t>Là tập hợp các điểm dữ liệu được thu thập theo các khoảng thời gian (ngày, tháng, năm, …) biểu thị sự thay đổi của một hay nhiều yếu tố nào đó theo thời gian.</a:t>
-            </a:r>
-          </a:p>
-          <a:p>
-            <a:pPr marL="0" indent="0">
-              <a:buNone/>
-            </a:pPr>
-            <a:r>
-              <a:rPr lang="vi-VN" sz="2400" dirty="0">
-                <a:effectLst/>
-                <a:latin typeface="Palatino Linotype" panose="02040502050505030304" pitchFamily="18" charset="0"/>
-                <a:ea typeface="Times New Roman" panose="02020603050405020304" pitchFamily="18" charset="0"/>
-              </a:rPr>
-              <a:t>Mỗi quan sát được thu thập có mối quan hệ liên tục với các quan sát trước và sau đó.</a:t>
-            </a:r>
-          </a:p>
-          <a:p>
-            <a:pPr marL="0" indent="0">
-              <a:buNone/>
-            </a:pPr>
-            <a:r>
-              <a:rPr lang="vi-VN" sz="2400" dirty="0">
-                <a:effectLst/>
-                <a:latin typeface="Palatino Linotype" panose="02040502050505030304" pitchFamily="18" charset="0"/>
-                <a:ea typeface="Times New Roman" panose="02020603050405020304" pitchFamily="18" charset="0"/>
-              </a:rPr>
-              <a:t>Đây có thể là dữ liệu về giá cổ phiếu, thời tiết, sản lượng hàng ngày, lưu lượng truy cập trang </a:t>
-            </a:r>
-            <a:r>
-              <a:rPr lang="vi-VN" sz="2400" dirty="0" err="1">
-                <a:effectLst/>
-                <a:latin typeface="Palatino Linotype" panose="02040502050505030304" pitchFamily="18" charset="0"/>
-                <a:ea typeface="Times New Roman" panose="02020603050405020304" pitchFamily="18" charset="0"/>
-              </a:rPr>
-              <a:t>web</a:t>
-            </a:r>
-            <a:r>
-              <a:rPr lang="vi-VN" sz="2400" dirty="0">
-                <a:effectLst/>
-                <a:latin typeface="Palatino Linotype" panose="02040502050505030304" pitchFamily="18" charset="0"/>
-                <a:ea typeface="Times New Roman" panose="02020603050405020304" pitchFamily="18" charset="0"/>
-              </a:rPr>
-              <a:t>, hoặc bất kỳ loại dữ liệu nào có tính chất thời gian</a:t>
-            </a:r>
-            <a:r>
-              <a:rPr lang="vi-VN" sz="2400" dirty="0">
-                <a:effectLst/>
-                <a:latin typeface="+mj-lt"/>
-                <a:ea typeface="Times New Roman" panose="02020603050405020304" pitchFamily="18" charset="0"/>
-              </a:rPr>
-              <a:t>.</a:t>
+              <a:t>Là tập hợp các điểm dữ liệu được thu thập theo các khoảng thời gian (ngày, tháng, năm, …) biểu thị sự thay đổi của một hay nhiều yếu tố nào đó theo thời gian. Mỗi quan sát được thu thập có mối quan hệ liên tục với các quan sát trước và sau đó.</a:t>
             </a:r>
           </a:p>
         </p:txBody>
@@ -4782,6 +4732,30 @@
 <file path=ppt/slides/slide12.xml><?xml version="1.0" encoding="utf-8"?>
 <p:sld xmlns:a="http://schemas.openxmlformats.org/drawingml/2006/main" xmlns:r="http://schemas.openxmlformats.org/officeDocument/2006/relationships" xmlns:p="http://schemas.openxmlformats.org/presentationml/2006/main">
   <p:cSld>
+    <p:bg>
+      <p:bgPr>
+        <a:gradFill rotWithShape="1">
+          <a:gsLst>
+            <a:gs pos="0">
+              <a:schemeClr val="bg2">
+                <a:tint val="94000"/>
+                <a:satMod val="80000"/>
+                <a:lumMod val="106000"/>
+              </a:schemeClr>
+            </a:gs>
+            <a:gs pos="100000">
+              <a:schemeClr val="bg2">
+                <a:shade val="80000"/>
+              </a:schemeClr>
+            </a:gs>
+          </a:gsLst>
+          <a:path path="circle">
+            <a:fillToRect l="43000" r="43000" b="100000"/>
+          </a:path>
+        </a:gradFill>
+        <a:effectLst/>
+      </p:bgPr>
+    </p:bg>
     <p:spTree>
       <p:nvGrpSpPr>
         <p:cNvPr id="1" name=""/>
@@ -4796,6 +4770,66 @@
           <a:chExt cx="0" cy="0"/>
         </a:xfrm>
       </p:grpSpPr>
+      <p:sp useBgFill="1">
+        <p:nvSpPr>
+          <p:cNvPr id="1031" name="Rectangle 1030">
+            <a:extLst>
+              <a:ext uri="{FF2B5EF4-FFF2-40B4-BE49-F238E27FC236}">
+                <a16:creationId xmlns:a16="http://schemas.microsoft.com/office/drawing/2014/main" id="{4568A54B-9065-40B2-8753-8E0288E828A3}"/>
+              </a:ext>
+              <a:ext uri="{C183D7F6-B498-43B3-948B-1728B52AA6E4}">
+                <adec:decorative xmlns:adec="http://schemas.microsoft.com/office/drawing/2017/decorative" val="1"/>
+              </a:ext>
+            </a:extLst>
+          </p:cNvPr>
+          <p:cNvSpPr>
+            <a:spLocks noGrp="1" noRot="1" noChangeAspect="1" noMove="1" noResize="1" noEditPoints="1" noAdjustHandles="1" noChangeArrowheads="1" noChangeShapeType="1" noTextEdit="1"/>
+          </p:cNvSpPr>
+          <p:nvPr>
+            <p:extLst>
+              <p:ext uri="{386F3935-93C4-4BCD-93E2-E3B085C9AB24}">
+                <p16:designElem xmlns:p16="http://schemas.microsoft.com/office/powerpoint/2015/main" val="1"/>
+              </p:ext>
+            </p:extLst>
+          </p:nvPr>
+        </p:nvSpPr>
+        <p:spPr>
+          <a:xfrm>
+            <a:off x="2" y="0"/>
+            <a:ext cx="12191695" cy="6858000"/>
+          </a:xfrm>
+          <a:prstGeom prst="rect">
+            <a:avLst/>
+          </a:prstGeom>
+          <a:ln>
+            <a:noFill/>
+          </a:ln>
+        </p:spPr>
+        <p:style>
+          <a:lnRef idx="2">
+            <a:schemeClr val="accent1">
+              <a:shade val="50000"/>
+            </a:schemeClr>
+          </a:lnRef>
+          <a:fillRef idx="1">
+            <a:schemeClr val="accent1"/>
+          </a:fillRef>
+          <a:effectRef idx="0">
+            <a:schemeClr val="accent1"/>
+          </a:effectRef>
+          <a:fontRef idx="minor">
+            <a:schemeClr val="lt1"/>
+          </a:fontRef>
+        </p:style>
+        <p:txBody>
+          <a:bodyPr rtlCol="0" anchor="ctr"/>
+          <a:lstStyle/>
+          <a:p>
+            <a:pPr algn="ctr"/>
+            <a:endParaRPr lang="en-US"/>
+          </a:p>
+        </p:txBody>
+      </p:sp>
       <p:sp>
         <p:nvSpPr>
           <p:cNvPr id="2" name="Title 1">
@@ -4814,12 +4848,14 @@
         </p:nvSpPr>
         <p:spPr>
           <a:xfrm>
-            <a:off x="1428164" y="1003178"/>
-            <a:ext cx="9520158" cy="610420"/>
+            <a:off x="1534781" y="804520"/>
+            <a:ext cx="4093310" cy="1049235"/>
           </a:xfrm>
         </p:spPr>
         <p:txBody>
-          <a:bodyPr/>
+          <a:bodyPr>
+            <a:normAutofit/>
+          </a:bodyPr>
           <a:lstStyle/>
           <a:p>
             <a:r>
@@ -4831,6 +4867,134 @@
               </a:rPr>
               <a:t>2. CƠ SỞ LÝ THUYẾT</a:t>
             </a:r>
+          </a:p>
+        </p:txBody>
+      </p:sp>
+      <p:cxnSp>
+        <p:nvCxnSpPr>
+          <p:cNvPr id="1033" name="Straight Connector 1032">
+            <a:extLst>
+              <a:ext uri="{FF2B5EF4-FFF2-40B4-BE49-F238E27FC236}">
+                <a16:creationId xmlns:a16="http://schemas.microsoft.com/office/drawing/2014/main" id="{515F3B72-790F-4B1A-90DE-5EC31C829B9E}"/>
+              </a:ext>
+              <a:ext uri="{C183D7F6-B498-43B3-948B-1728B52AA6E4}">
+                <adec:decorative xmlns:adec="http://schemas.microsoft.com/office/drawing/2017/decorative" val="1"/>
+              </a:ext>
+            </a:extLst>
+          </p:cNvPr>
+          <p:cNvCxnSpPr>
+            <a:cxnSpLocks noGrp="1" noRot="1" noChangeAspect="1" noMove="1" noResize="1" noEditPoints="1" noAdjustHandles="1" noChangeArrowheads="1" noChangeShapeType="1"/>
+          </p:cNvCxnSpPr>
+          <p:nvPr>
+            <p:extLst>
+              <p:ext uri="{386F3935-93C4-4BCD-93E2-E3B085C9AB24}">
+                <p16:designElem xmlns:p16="http://schemas.microsoft.com/office/powerpoint/2015/main" val="1"/>
+              </p:ext>
+            </p:extLst>
+          </p:nvPr>
+        </p:nvCxnSpPr>
+        <p:spPr>
+          <a:xfrm>
+            <a:off x="1371687" y="798973"/>
+            <a:ext cx="0" cy="1067168"/>
+          </a:xfrm>
+          <a:prstGeom prst="line">
+            <a:avLst/>
+          </a:prstGeom>
+          <a:ln w="38100" cmpd="sng">
+            <a:solidFill>
+              <a:schemeClr val="accent1"/>
+            </a:solidFill>
+            <a:prstDash val="solid"/>
+            <a:tailEnd type="none"/>
+          </a:ln>
+        </p:spPr>
+        <p:style>
+          <a:lnRef idx="3">
+            <a:schemeClr val="accent1"/>
+          </a:lnRef>
+          <a:fillRef idx="0">
+            <a:schemeClr val="accent1"/>
+          </a:fillRef>
+          <a:effectRef idx="2">
+            <a:schemeClr val="accent1"/>
+          </a:effectRef>
+          <a:fontRef idx="minor">
+            <a:schemeClr val="tx1"/>
+          </a:fontRef>
+        </p:style>
+      </p:cxnSp>
+      <p:sp>
+        <p:nvSpPr>
+          <p:cNvPr id="1035" name="Rectangle 1034">
+            <a:extLst>
+              <a:ext uri="{FF2B5EF4-FFF2-40B4-BE49-F238E27FC236}">
+                <a16:creationId xmlns:a16="http://schemas.microsoft.com/office/drawing/2014/main" id="{A2BED43D-FF5E-4233-9D4F-A509B56034A5}"/>
+              </a:ext>
+              <a:ext uri="{C183D7F6-B498-43B3-948B-1728B52AA6E4}">
+                <adec:decorative xmlns:adec="http://schemas.microsoft.com/office/drawing/2017/decorative" val="1"/>
+              </a:ext>
+            </a:extLst>
+          </p:cNvPr>
+          <p:cNvSpPr>
+            <a:spLocks noGrp="1" noRot="1" noChangeAspect="1" noMove="1" noResize="1" noEditPoints="1" noAdjustHandles="1" noChangeArrowheads="1" noChangeShapeType="1" noTextEdit="1"/>
+          </p:cNvSpPr>
+          <p:nvPr>
+            <p:extLst>
+              <p:ext uri="{386F3935-93C4-4BCD-93E2-E3B085C9AB24}">
+                <p16:designElem xmlns:p16="http://schemas.microsoft.com/office/powerpoint/2015/main" val="1"/>
+              </p:ext>
+            </p:extLst>
+          </p:nvPr>
+        </p:nvSpPr>
+        <p:spPr>
+          <a:xfrm>
+            <a:off x="0" y="2015732"/>
+            <a:ext cx="12192000" cy="4118829"/>
+          </a:xfrm>
+          <a:prstGeom prst="rect">
+            <a:avLst/>
+          </a:prstGeom>
+          <a:gradFill flip="none" rotWithShape="1">
+            <a:gsLst>
+              <a:gs pos="0">
+                <a:schemeClr val="bg2">
+                  <a:alpha val="0"/>
+                </a:schemeClr>
+              </a:gs>
+              <a:gs pos="100000">
+                <a:schemeClr val="bg2"/>
+              </a:gs>
+            </a:gsLst>
+            <a:lin ang="5400000" scaled="0"/>
+            <a:tileRect/>
+          </a:gradFill>
+          <a:ln>
+            <a:noFill/>
+          </a:ln>
+        </p:spPr>
+        <p:style>
+          <a:lnRef idx="2">
+            <a:schemeClr val="accent1">
+              <a:shade val="50000"/>
+            </a:schemeClr>
+          </a:lnRef>
+          <a:fillRef idx="1">
+            <a:schemeClr val="accent1"/>
+          </a:fillRef>
+          <a:effectRef idx="0">
+            <a:schemeClr val="accent1"/>
+          </a:effectRef>
+          <a:fontRef idx="minor">
+            <a:schemeClr val="lt1"/>
+          </a:fontRef>
+        </p:style>
+        <p:txBody>
+          <a:bodyPr rtlCol="0" anchor="ctr"/>
+          <a:lstStyle/>
+          <a:p>
+            <a:pPr lvl="0" algn="ctr"/>
+            <a:endParaRPr lang="en-US"/>
           </a:p>
         </p:txBody>
       </p:sp>
@@ -4852,13 +5016,13 @@
         </p:nvSpPr>
         <p:spPr>
           <a:xfrm>
-            <a:off x="1534696" y="2015732"/>
-            <a:ext cx="10193884" cy="3222093"/>
+            <a:off x="1534695" y="2015732"/>
+            <a:ext cx="4089097" cy="3450613"/>
           </a:xfrm>
         </p:spPr>
         <p:txBody>
           <a:bodyPr>
-            <a:noAutofit/>
+            <a:normAutofit/>
           </a:bodyPr>
           <a:lstStyle/>
           <a:p>
@@ -4866,161 +5030,182 @@
               <a:buNone/>
             </a:pPr>
             <a:r>
-              <a:rPr lang="en-US" sz="2400" dirty="0" err="1">
-                <a:latin typeface="+mj-lt"/>
-              </a:rPr>
-              <a:t>Dữ</a:t>
-            </a:r>
-            <a:r>
-              <a:rPr lang="en-US" sz="2400" dirty="0">
-                <a:latin typeface="+mj-lt"/>
-              </a:rPr>
-              <a:t> </a:t>
-            </a:r>
-            <a:r>
-              <a:rPr lang="en-US" sz="2400" dirty="0" err="1">
-                <a:latin typeface="+mj-lt"/>
-              </a:rPr>
-              <a:t>liệu</a:t>
-            </a:r>
-            <a:r>
-              <a:rPr lang="en-US" sz="2400" dirty="0">
-                <a:latin typeface="+mj-lt"/>
-              </a:rPr>
-              <a:t> </a:t>
-            </a:r>
-            <a:r>
-              <a:rPr lang="en-US" sz="2400" dirty="0" err="1">
-                <a:latin typeface="+mj-lt"/>
-              </a:rPr>
-              <a:t>dòng</a:t>
-            </a:r>
-            <a:r>
-              <a:rPr lang="en-US" sz="2400" dirty="0">
-                <a:latin typeface="+mj-lt"/>
-              </a:rPr>
-              <a:t> </a:t>
-            </a:r>
-            <a:r>
-              <a:rPr lang="en-US" sz="2400" dirty="0" err="1">
-                <a:latin typeface="+mj-lt"/>
-              </a:rPr>
-              <a:t>thời</a:t>
-            </a:r>
-            <a:r>
-              <a:rPr lang="en-US" sz="2400" dirty="0">
-                <a:latin typeface="+mj-lt"/>
-              </a:rPr>
-              <a:t> </a:t>
-            </a:r>
-            <a:r>
-              <a:rPr lang="en-US" sz="2400" dirty="0" err="1">
-                <a:latin typeface="+mj-lt"/>
-              </a:rPr>
-              <a:t>gian</a:t>
-            </a:r>
-            <a:endParaRPr lang="en-US" sz="2400" dirty="0">
-              <a:latin typeface="+mj-lt"/>
-            </a:endParaRPr>
-          </a:p>
-          <a:p>
-            <a:pPr indent="0" algn="just">
-              <a:lnSpc>
-                <a:spcPct val="150000"/>
-              </a:lnSpc>
-              <a:buNone/>
-            </a:pPr>
-            <a:r>
-              <a:rPr lang="vi-VN" sz="1800" dirty="0">
+              <a:rPr lang="vi-VN" dirty="0">
                 <a:effectLst/>
                 <a:latin typeface="Palatino Linotype" panose="02040502050505030304" pitchFamily="18" charset="0"/>
                 <a:ea typeface="Times New Roman" panose="02020603050405020304" pitchFamily="18" charset="0"/>
               </a:rPr>
-              <a:t>Dữ liệu dòng thời gian thể hiện tính biến động, có sự tăng giảm bất định, theo thời gian hay bị ảnh hưởng với thời gian. Các yếu tố quan trọng cần lưu ý khi phân tích dữ liệu dòng thời gian bao gồm: xu hướng (</a:t>
-            </a:r>
-            <a:r>
-              <a:rPr lang="vi-VN" sz="1800" dirty="0" err="1">
+              <a:t>Đây có thể là dữ liệu về giá cổ phiếu, thời tiết, sản lượng hàng ngày, lưu lượng truy cập trang </a:t>
+            </a:r>
+            <a:r>
+              <a:rPr lang="vi-VN" dirty="0" err="1">
                 <a:effectLst/>
                 <a:latin typeface="Palatino Linotype" panose="02040502050505030304" pitchFamily="18" charset="0"/>
                 <a:ea typeface="Times New Roman" panose="02020603050405020304" pitchFamily="18" charset="0"/>
               </a:rPr>
-              <a:t>trend</a:t>
-            </a:r>
-            <a:r>
-              <a:rPr lang="vi-VN" sz="1800" dirty="0">
+              <a:t>web</a:t>
+            </a:r>
+            <a:r>
+              <a:rPr lang="vi-VN" dirty="0">
                 <a:effectLst/>
                 <a:latin typeface="Palatino Linotype" panose="02040502050505030304" pitchFamily="18" charset="0"/>
                 <a:ea typeface="Times New Roman" panose="02020603050405020304" pitchFamily="18" charset="0"/>
               </a:rPr>
-              <a:t>), tính mùa vụ (</a:t>
-            </a:r>
-            <a:r>
-              <a:rPr lang="vi-VN" sz="1800" dirty="0" err="1">
+              <a:t>, hoặc bất kỳ loại dữ liệu nào có tính chất thời gian</a:t>
+            </a:r>
+            <a:r>
+              <a:rPr lang="vi-VN" dirty="0">
                 <a:effectLst/>
-                <a:latin typeface="Palatino Linotype" panose="02040502050505030304" pitchFamily="18" charset="0"/>
+                <a:latin typeface="+mj-lt"/>
                 <a:ea typeface="Times New Roman" panose="02020603050405020304" pitchFamily="18" charset="0"/>
               </a:rPr>
-              <a:t>seasonality</a:t>
-            </a:r>
-            <a:r>
-              <a:rPr lang="vi-VN" sz="1800" dirty="0">
-                <a:effectLst/>
-                <a:latin typeface="Palatino Linotype" panose="02040502050505030304" pitchFamily="18" charset="0"/>
-                <a:ea typeface="Times New Roman" panose="02020603050405020304" pitchFamily="18" charset="0"/>
-              </a:rPr>
-              <a:t>), chu kỳ (</a:t>
-            </a:r>
-            <a:r>
-              <a:rPr lang="vi-VN" sz="1800" dirty="0" err="1">
-                <a:effectLst/>
-                <a:latin typeface="Palatino Linotype" panose="02040502050505030304" pitchFamily="18" charset="0"/>
-                <a:ea typeface="Times New Roman" panose="02020603050405020304" pitchFamily="18" charset="0"/>
-              </a:rPr>
-              <a:t>cycle</a:t>
-            </a:r>
-            <a:r>
-              <a:rPr lang="vi-VN" sz="1800" dirty="0">
-                <a:effectLst/>
-                <a:latin typeface="Palatino Linotype" panose="02040502050505030304" pitchFamily="18" charset="0"/>
-                <a:ea typeface="Times New Roman" panose="02020603050405020304" pitchFamily="18" charset="0"/>
-              </a:rPr>
-              <a:t>) và nhiễu (</a:t>
-            </a:r>
-            <a:r>
-              <a:rPr lang="vi-VN" sz="1800" dirty="0" err="1">
-                <a:effectLst/>
-                <a:latin typeface="Palatino Linotype" panose="02040502050505030304" pitchFamily="18" charset="0"/>
-                <a:ea typeface="Times New Roman" panose="02020603050405020304" pitchFamily="18" charset="0"/>
-              </a:rPr>
-              <a:t>noise</a:t>
-            </a:r>
-            <a:r>
-              <a:rPr lang="vi-VN" sz="1800" dirty="0">
-                <a:effectLst/>
-                <a:latin typeface="Palatino Linotype" panose="02040502050505030304" pitchFamily="18" charset="0"/>
-                <a:ea typeface="Times New Roman" panose="02020603050405020304" pitchFamily="18" charset="0"/>
-              </a:rPr>
-              <a:t>).</a:t>
-            </a:r>
-          </a:p>
-          <a:p>
-            <a:pPr>
-              <a:buFontTx/>
-              <a:buChar char="-"/>
-            </a:pPr>
-            <a:endParaRPr lang="en-US" sz="2400" dirty="0">
-              <a:solidFill>
-                <a:srgbClr val="000000"/>
-              </a:solidFill>
-              <a:ea typeface="Times New Roman" panose="02020603050405020304" pitchFamily="18" charset="0"/>
-            </a:endParaRPr>
+              <a:t>.</a:t>
+            </a:r>
           </a:p>
         </p:txBody>
       </p:sp>
+      <p:pic>
+        <p:nvPicPr>
+          <p:cNvPr id="1026" name="Picture 2" descr="Machine Learning - Thử làm Nhà Thiên Văn Dự Báo Thời Tiết">
+            <a:extLst>
+              <a:ext uri="{FF2B5EF4-FFF2-40B4-BE49-F238E27FC236}">
+                <a16:creationId xmlns:a16="http://schemas.microsoft.com/office/drawing/2014/main" id="{8BB79E61-A3CE-983B-AE52-12E1E0A49F48}"/>
+              </a:ext>
+            </a:extLst>
+          </p:cNvPr>
+          <p:cNvPicPr>
+            <a:picLocks noChangeAspect="1" noChangeArrowheads="1"/>
+          </p:cNvPicPr>
+          <p:nvPr/>
+        </p:nvPicPr>
+        <p:blipFill>
+          <a:blip r:embed="rId2">
+            <a:extLst>
+              <a:ext uri="{28A0092B-C50C-407E-A947-70E740481C1C}">
+                <a14:useLocalDpi xmlns:a14="http://schemas.microsoft.com/office/drawing/2010/main" val="0"/>
+              </a:ext>
+            </a:extLst>
+          </a:blip>
+          <a:stretch>
+            <a:fillRect/>
+          </a:stretch>
+        </p:blipFill>
+        <p:spPr bwMode="auto">
+          <a:xfrm>
+            <a:off x="6094411" y="1325403"/>
+            <a:ext cx="4960442" cy="3621122"/>
+          </a:xfrm>
+          <a:prstGeom prst="rect">
+            <a:avLst/>
+          </a:prstGeom>
+          <a:noFill/>
+          <a:extLst>
+            <a:ext uri="{909E8E84-426E-40DD-AFC4-6F175D3DCCD1}">
+              <a14:hiddenFill xmlns:a14="http://schemas.microsoft.com/office/drawing/2010/main">
+                <a:solidFill>
+                  <a:srgbClr val="FFFFFF"/>
+                </a:solidFill>
+              </a14:hiddenFill>
+            </a:ext>
+          </a:extLst>
+        </p:spPr>
+      </p:pic>
+      <p:pic>
+        <p:nvPicPr>
+          <p:cNvPr id="1037" name="Picture 1036">
+            <a:extLst>
+              <a:ext uri="{FF2B5EF4-FFF2-40B4-BE49-F238E27FC236}">
+                <a16:creationId xmlns:a16="http://schemas.microsoft.com/office/drawing/2014/main" id="{051D0F8B-A6FE-4009-88A1-49ABE7CEF2AC}"/>
+              </a:ext>
+              <a:ext uri="{C183D7F6-B498-43B3-948B-1728B52AA6E4}">
+                <adec:decorative xmlns:adec="http://schemas.microsoft.com/office/drawing/2017/decorative" val="1"/>
+              </a:ext>
+            </a:extLst>
+          </p:cNvPr>
+          <p:cNvPicPr>
+            <a:picLocks noGrp="1" noRot="1" noChangeAspect="1" noMove="1" noResize="1" noEditPoints="1" noAdjustHandles="1" noChangeArrowheads="1" noChangeShapeType="1" noCrop="1"/>
+          </p:cNvPicPr>
+          <p:nvPr>
+            <p:extLst>
+              <p:ext uri="{386F3935-93C4-4BCD-93E2-E3B085C9AB24}">
+                <p16:designElem xmlns:p16="http://schemas.microsoft.com/office/powerpoint/2015/main" val="1"/>
+              </p:ext>
+            </p:extLst>
+          </p:nvPr>
+        </p:nvPicPr>
+        <p:blipFill rotWithShape="1">
+          <a:blip r:embed="rId3"/>
+          <a:srcRect t="2769" b="-2769"/>
+          <a:stretch/>
+        </p:blipFill>
+        <p:spPr>
+          <a:xfrm>
+            <a:off x="0" y="6135624"/>
+            <a:ext cx="12192000" cy="742950"/>
+          </a:xfrm>
+          <a:prstGeom prst="rect">
+            <a:avLst/>
+          </a:prstGeom>
+        </p:spPr>
+      </p:pic>
+      <p:cxnSp>
+        <p:nvCxnSpPr>
+          <p:cNvPr id="1039" name="Straight Connector 1038">
+            <a:extLst>
+              <a:ext uri="{FF2B5EF4-FFF2-40B4-BE49-F238E27FC236}">
+                <a16:creationId xmlns:a16="http://schemas.microsoft.com/office/drawing/2014/main" id="{4C5057B3-E936-43A2-9EEE-514EF0434FE2}"/>
+              </a:ext>
+              <a:ext uri="{C183D7F6-B498-43B3-948B-1728B52AA6E4}">
+                <adec:decorative xmlns:adec="http://schemas.microsoft.com/office/drawing/2017/decorative" val="1"/>
+              </a:ext>
+            </a:extLst>
+          </p:cNvPr>
+          <p:cNvCxnSpPr>
+            <a:cxnSpLocks noGrp="1" noRot="1" noChangeAspect="1" noMove="1" noResize="1" noEditPoints="1" noAdjustHandles="1" noChangeArrowheads="1" noChangeShapeType="1"/>
+          </p:cNvCxnSpPr>
+          <p:nvPr>
+            <p:extLst>
+              <p:ext uri="{386F3935-93C4-4BCD-93E2-E3B085C9AB24}">
+                <p16:designElem xmlns:p16="http://schemas.microsoft.com/office/powerpoint/2015/main" val="1"/>
+              </p:ext>
+            </p:extLst>
+          </p:nvPr>
+        </p:nvCxnSpPr>
+        <p:spPr>
+          <a:xfrm>
+            <a:off x="0" y="6141705"/>
+            <a:ext cx="12192000" cy="0"/>
+          </a:xfrm>
+          <a:prstGeom prst="line">
+            <a:avLst/>
+          </a:prstGeom>
+          <a:ln w="12700">
+            <a:solidFill>
+              <a:srgbClr val="000001">
+                <a:alpha val="20000"/>
+              </a:srgbClr>
+            </a:solidFill>
+          </a:ln>
+        </p:spPr>
+        <p:style>
+          <a:lnRef idx="1">
+            <a:schemeClr val="accent1"/>
+          </a:lnRef>
+          <a:fillRef idx="0">
+            <a:schemeClr val="accent1"/>
+          </a:fillRef>
+          <a:effectRef idx="0">
+            <a:schemeClr val="accent1"/>
+          </a:effectRef>
+          <a:fontRef idx="minor">
+            <a:schemeClr val="tx1"/>
+          </a:fontRef>
+        </p:style>
+      </p:cxnSp>
     </p:spTree>
     <p:extLst>
       <p:ext uri="{BB962C8B-B14F-4D97-AF65-F5344CB8AC3E}">
-        <p14:creationId xmlns:p14="http://schemas.microsoft.com/office/powerpoint/2010/main" val="3110888855"/>
+        <p14:creationId xmlns:p14="http://schemas.microsoft.com/office/powerpoint/2010/main" val="128437778"/>
       </p:ext>
     </p:extLst>
   </p:cSld>
@@ -5074,7 +5259,7 @@
           <a:lstStyle/>
           <a:p>
             <a:r>
-              <a:rPr lang="en-US" b="1" dirty="0">
+              <a:rPr lang="en-US" b="1">
                 <a:solidFill>
                   <a:srgbClr val="0070C0"/>
                 </a:solidFill>
@@ -5082,6 +5267,12 @@
               </a:rPr>
               <a:t>2. CƠ SỞ LÝ THUYẾT</a:t>
             </a:r>
+            <a:endParaRPr lang="en-US" b="1" dirty="0">
+              <a:solidFill>
+                <a:srgbClr val="0070C0"/>
+              </a:solidFill>
+              <a:cs typeface="Calibri" panose="020F0502020204030204" pitchFamily="34" charset="0"/>
+            </a:endParaRPr>
           </a:p>
         </p:txBody>
       </p:sp>
@@ -5103,8 +5294,8 @@
         </p:nvSpPr>
         <p:spPr>
           <a:xfrm>
-            <a:off x="1534696" y="2015732"/>
-            <a:ext cx="10193884" cy="3222093"/>
+            <a:off x="1428164" y="1698491"/>
+            <a:ext cx="10193884" cy="1511239"/>
           </a:xfrm>
         </p:spPr>
         <p:txBody>
@@ -5114,48 +5305,6 @@
           <a:lstStyle/>
           <a:p>
             <a:pPr marL="0" indent="0">
-              <a:buNone/>
-            </a:pPr>
-            <a:r>
-              <a:rPr lang="en-US" sz="2400" dirty="0" err="1"/>
-              <a:t>Dữ</a:t>
-            </a:r>
-            <a:r>
-              <a:rPr lang="en-US" sz="2400" dirty="0"/>
-              <a:t> </a:t>
-            </a:r>
-            <a:r>
-              <a:rPr lang="en-US" sz="2400" dirty="0" err="1"/>
-              <a:t>liệu</a:t>
-            </a:r>
-            <a:r>
-              <a:rPr lang="en-US" sz="2400" dirty="0"/>
-              <a:t> </a:t>
-            </a:r>
-            <a:r>
-              <a:rPr lang="en-US" sz="2400" dirty="0" err="1"/>
-              <a:t>dòng</a:t>
-            </a:r>
-            <a:r>
-              <a:rPr lang="en-US" sz="2400" dirty="0"/>
-              <a:t> </a:t>
-            </a:r>
-            <a:r>
-              <a:rPr lang="en-US" sz="2400" dirty="0" err="1"/>
-              <a:t>thời</a:t>
-            </a:r>
-            <a:r>
-              <a:rPr lang="en-US" sz="2400" dirty="0"/>
-              <a:t> </a:t>
-            </a:r>
-            <a:r>
-              <a:rPr lang="en-US" sz="2400" dirty="0" err="1"/>
-              <a:t>gian</a:t>
-            </a:r>
-            <a:endParaRPr lang="en-US" sz="2400" dirty="0"/>
-          </a:p>
-          <a:p>
-            <a:pPr indent="0" algn="just">
               <a:lnSpc>
                 <a:spcPct val="150000"/>
               </a:lnSpc>
@@ -5167,7 +5316,7 @@
                 <a:latin typeface="Palatino Linotype" panose="02040502050505030304" pitchFamily="18" charset="0"/>
                 <a:ea typeface="Times New Roman" panose="02020603050405020304" pitchFamily="18" charset="0"/>
               </a:rPr>
-              <a:t>Dữ liệu dòng thời gian được ứng dụng rộng rãi trong nhiều lĩnh vực. Trong kinh doanh, dữ liệu dòng thời gian được ứng dụng nhiều trong việc phân tích giao dịch, số liệu bán hàng, hành vi của khách hàng, xu hướng trong các hoạt động trong các doanh nghiệp. Trong khoa học, dữ liệu dòng thời gian được sử dụng để theo dõi các hiện tượng tự nhiên như lượng mưa, nhiệt độ. Trong công nghệ thông tin, dữ liệu dòng thời gian được sử dụng để theo dõi lưu lượng truy cập </a:t>
+              <a:t>Dữ liệu dòng thời gian thể hiện tính biến động, có sự tăng giảm bất định, theo thời gian hay bị ảnh hưởng với thời gian. Các yếu tố quan trọng cần lưu ý khi phân tích dữ liệu dòng thời gian bao gồm: xu hướng (</a:t>
             </a:r>
             <a:r>
               <a:rPr lang="vi-VN" sz="1800" dirty="0" err="1">
@@ -5175,7 +5324,7 @@
                 <a:latin typeface="Palatino Linotype" panose="02040502050505030304" pitchFamily="18" charset="0"/>
                 <a:ea typeface="Times New Roman" panose="02020603050405020304" pitchFamily="18" charset="0"/>
               </a:rPr>
-              <a:t>website</a:t>
+              <a:t>trend</a:t>
             </a:r>
             <a:r>
               <a:rPr lang="vi-VN" sz="1800" dirty="0">
@@ -5183,27 +5332,63 @@
                 <a:latin typeface="Palatino Linotype" panose="02040502050505030304" pitchFamily="18" charset="0"/>
                 <a:ea typeface="Times New Roman" panose="02020603050405020304" pitchFamily="18" charset="0"/>
               </a:rPr>
-              <a:t>, số lượng người dùng sử dụng ứng dụng.</a:t>
-            </a:r>
-          </a:p>
-          <a:p>
-            <a:pPr>
-              <a:buFontTx/>
-              <a:buChar char="-"/>
-            </a:pPr>
-            <a:endParaRPr lang="en-US" sz="2400" dirty="0">
-              <a:solidFill>
-                <a:srgbClr val="000000"/>
-              </a:solidFill>
-              <a:ea typeface="Times New Roman" panose="02020603050405020304" pitchFamily="18" charset="0"/>
-            </a:endParaRPr>
+              <a:t>), tính mùa vụ (</a:t>
+            </a:r>
+            <a:r>
+              <a:rPr lang="vi-VN" sz="1800" dirty="0" err="1">
+                <a:effectLst/>
+                <a:latin typeface="Palatino Linotype" panose="02040502050505030304" pitchFamily="18" charset="0"/>
+                <a:ea typeface="Times New Roman" panose="02020603050405020304" pitchFamily="18" charset="0"/>
+              </a:rPr>
+              <a:t>seasonality</a:t>
+            </a:r>
+            <a:r>
+              <a:rPr lang="vi-VN" sz="1800" dirty="0">
+                <a:effectLst/>
+                <a:latin typeface="Palatino Linotype" panose="02040502050505030304" pitchFamily="18" charset="0"/>
+                <a:ea typeface="Times New Roman" panose="02020603050405020304" pitchFamily="18" charset="0"/>
+              </a:rPr>
+              <a:t>), chu kỳ (</a:t>
+            </a:r>
+            <a:r>
+              <a:rPr lang="vi-VN" sz="1800" dirty="0" err="1">
+                <a:effectLst/>
+                <a:latin typeface="Palatino Linotype" panose="02040502050505030304" pitchFamily="18" charset="0"/>
+                <a:ea typeface="Times New Roman" panose="02020603050405020304" pitchFamily="18" charset="0"/>
+              </a:rPr>
+              <a:t>cycle</a:t>
+            </a:r>
+            <a:r>
+              <a:rPr lang="vi-VN" sz="1800" dirty="0">
+                <a:effectLst/>
+                <a:latin typeface="Palatino Linotype" panose="02040502050505030304" pitchFamily="18" charset="0"/>
+                <a:ea typeface="Times New Roman" panose="02020603050405020304" pitchFamily="18" charset="0"/>
+              </a:rPr>
+              <a:t>) và nhiễu (</a:t>
+            </a:r>
+            <a:r>
+              <a:rPr lang="vi-VN" sz="1800" dirty="0" err="1">
+                <a:effectLst/>
+                <a:latin typeface="Palatino Linotype" panose="02040502050505030304" pitchFamily="18" charset="0"/>
+                <a:ea typeface="Times New Roman" panose="02020603050405020304" pitchFamily="18" charset="0"/>
+              </a:rPr>
+              <a:t>noise</a:t>
+            </a:r>
+            <a:r>
+              <a:rPr lang="vi-VN" sz="1800" dirty="0">
+                <a:effectLst/>
+                <a:latin typeface="Palatino Linotype" panose="02040502050505030304" pitchFamily="18" charset="0"/>
+                <a:ea typeface="Times New Roman" panose="02020603050405020304" pitchFamily="18" charset="0"/>
+              </a:rPr>
+              <a:t>).</a:t>
+            </a:r>
           </a:p>
         </p:txBody>
       </p:sp>
     </p:spTree>
     <p:extLst>
       <p:ext uri="{BB962C8B-B14F-4D97-AF65-F5344CB8AC3E}">
-        <p14:creationId xmlns:p14="http://schemas.microsoft.com/office/powerpoint/2010/main" val="703038055"/>
+        <p14:creationId xmlns:p14="http://schemas.microsoft.com/office/powerpoint/2010/main" val="3110888855"/>
       </p:ext>
     </p:extLst>
   </p:cSld>
@@ -5230,144 +5415,57 @@
           <a:chExt cx="0" cy="0"/>
         </a:xfrm>
       </p:grpSpPr>
-      <p:sp>
-        <p:nvSpPr>
-          <p:cNvPr id="2" name="Title 1">
+      <p:pic>
+        <p:nvPicPr>
+          <p:cNvPr id="2052" name="Picture 4">
             <a:extLst>
               <a:ext uri="{FF2B5EF4-FFF2-40B4-BE49-F238E27FC236}">
-                <a16:creationId xmlns:a16="http://schemas.microsoft.com/office/drawing/2014/main" id="{0A992078-859E-4EE1-F5EE-7DF9F536D923}"/>
+                <a16:creationId xmlns:a16="http://schemas.microsoft.com/office/drawing/2014/main" id="{7B356D59-3EDC-7C2D-B3F9-543EE86F26F3}"/>
               </a:ext>
             </a:extLst>
           </p:cNvPr>
-          <p:cNvSpPr>
-            <a:spLocks noGrp="1"/>
-          </p:cNvSpPr>
-          <p:nvPr>
-            <p:ph type="title"/>
-          </p:nvPr>
-        </p:nvSpPr>
-        <p:spPr>
-          <a:xfrm>
-            <a:off x="1428164" y="1003178"/>
-            <a:ext cx="9520158" cy="610420"/>
-          </a:xfrm>
-        </p:spPr>
-        <p:txBody>
-          <a:bodyPr/>
-          <a:lstStyle/>
-          <a:p>
-            <a:r>
-              <a:rPr lang="en-US" b="1" dirty="0">
-                <a:solidFill>
-                  <a:srgbClr val="0070C0"/>
-                </a:solidFill>
-                <a:cs typeface="Calibri" panose="020F0502020204030204" pitchFamily="34" charset="0"/>
-              </a:rPr>
-              <a:t>2. CƠ SỞ LÝ THUYẾT</a:t>
-            </a:r>
-          </a:p>
-        </p:txBody>
-      </p:sp>
-      <p:sp>
-        <p:nvSpPr>
-          <p:cNvPr id="3" name="Content Placeholder 2">
+          <p:cNvPicPr>
+            <a:picLocks noChangeAspect="1" noChangeArrowheads="1"/>
+          </p:cNvPicPr>
+          <p:nvPr/>
+        </p:nvPicPr>
+        <p:blipFill>
+          <a:blip r:embed="rId2">
             <a:extLst>
-              <a:ext uri="{FF2B5EF4-FFF2-40B4-BE49-F238E27FC236}">
-                <a16:creationId xmlns:a16="http://schemas.microsoft.com/office/drawing/2014/main" id="{AE3B3F0A-543B-C65C-1039-A8772A1D2C53}"/>
+              <a:ext uri="{28A0092B-C50C-407E-A947-70E740481C1C}">
+                <a14:useLocalDpi xmlns:a14="http://schemas.microsoft.com/office/drawing/2010/main" val="0"/>
               </a:ext>
             </a:extLst>
-          </p:cNvPr>
-          <p:cNvSpPr>
-            <a:spLocks noGrp="1"/>
-          </p:cNvSpPr>
-          <p:nvPr>
-            <p:ph idx="1"/>
-          </p:nvPr>
-        </p:nvSpPr>
-        <p:spPr>
+          </a:blip>
+          <a:srcRect/>
+          <a:stretch>
+            <a:fillRect/>
+          </a:stretch>
+        </p:blipFill>
+        <p:spPr bwMode="auto">
           <a:xfrm>
-            <a:off x="1534696" y="2015732"/>
-            <a:ext cx="10193884" cy="3222093"/>
+            <a:off x="381000" y="102635"/>
+            <a:ext cx="11430000" cy="5991225"/>
           </a:xfrm>
+          <a:prstGeom prst="rect">
+            <a:avLst/>
+          </a:prstGeom>
+          <a:noFill/>
+          <a:extLst>
+            <a:ext uri="{909E8E84-426E-40DD-AFC4-6F175D3DCCD1}">
+              <a14:hiddenFill xmlns:a14="http://schemas.microsoft.com/office/drawing/2010/main">
+                <a:solidFill>
+                  <a:srgbClr val="FFFFFF"/>
+                </a:solidFill>
+              </a14:hiddenFill>
+            </a:ext>
+          </a:extLst>
         </p:spPr>
-        <p:txBody>
-          <a:bodyPr>
-            <a:noAutofit/>
-          </a:bodyPr>
-          <a:lstStyle/>
-          <a:p>
-            <a:pPr marL="0" indent="0">
-              <a:buNone/>
-            </a:pPr>
-            <a:r>
-              <a:rPr lang="en-US" sz="2400" dirty="0" err="1"/>
-              <a:t>Dữ</a:t>
-            </a:r>
-            <a:r>
-              <a:rPr lang="en-US" sz="2400" dirty="0"/>
-              <a:t> </a:t>
-            </a:r>
-            <a:r>
-              <a:rPr lang="en-US" sz="2400" dirty="0" err="1"/>
-              <a:t>liệu</a:t>
-            </a:r>
-            <a:r>
-              <a:rPr lang="en-US" sz="2400" dirty="0"/>
-              <a:t> </a:t>
-            </a:r>
-            <a:r>
-              <a:rPr lang="en-US" sz="2400" dirty="0" err="1"/>
-              <a:t>dòng</a:t>
-            </a:r>
-            <a:r>
-              <a:rPr lang="en-US" sz="2400" dirty="0"/>
-              <a:t> </a:t>
-            </a:r>
-            <a:r>
-              <a:rPr lang="en-US" sz="2400" dirty="0" err="1"/>
-              <a:t>thời</a:t>
-            </a:r>
-            <a:r>
-              <a:rPr lang="en-US" sz="2400" dirty="0"/>
-              <a:t> </a:t>
-            </a:r>
-            <a:r>
-              <a:rPr lang="en-US" sz="2400" dirty="0" err="1"/>
-              <a:t>gian</a:t>
-            </a:r>
-            <a:endParaRPr lang="vi-VN" sz="2400" dirty="0"/>
-          </a:p>
-          <a:p>
-            <a:pPr marL="0" indent="0">
-              <a:buNone/>
-            </a:pPr>
-            <a:r>
-              <a:rPr lang="vi-VN" sz="1800" dirty="0">
-                <a:effectLst/>
-                <a:latin typeface="Palatino Linotype" panose="02040502050505030304" pitchFamily="18" charset="0"/>
-                <a:ea typeface="Times New Roman" panose="02020603050405020304" pitchFamily="18" charset="0"/>
-              </a:rPr>
-              <a:t>Phân tích dữ liệu dòng thời giúp hiểu đặc điểm của tệp dữ liệu, sự thay đổi của tệp dữ liệu theo thời gian. Nó cũng giúp xác định được những yếu tố ảnh hưởng đến các biến tại các thời điểm khác nhau. Một trong những ứng dụng quan trọng của phân tích dữ liệu dòng thời gian là dự đoán giá trị tương lai của các biến trong dòng thời gian dựa vào xu hướng của dữ liệu trong quá khứ.</a:t>
-            </a:r>
-          </a:p>
-          <a:p>
-            <a:pPr>
-              <a:buFontTx/>
-              <a:buChar char="-"/>
-            </a:pPr>
-            <a:endParaRPr lang="en-US" sz="2400" dirty="0">
-              <a:solidFill>
-                <a:srgbClr val="000000"/>
-              </a:solidFill>
-              <a:ea typeface="Times New Roman" panose="02020603050405020304" pitchFamily="18" charset="0"/>
-            </a:endParaRPr>
-          </a:p>
-        </p:txBody>
-      </p:sp>
+      </p:pic>
     </p:spTree>
     <p:extLst>
       <p:ext uri="{BB962C8B-B14F-4D97-AF65-F5344CB8AC3E}">
-        <p14:creationId xmlns:p14="http://schemas.microsoft.com/office/powerpoint/2010/main" val="267675034"/>
+        <p14:creationId xmlns:p14="http://schemas.microsoft.com/office/powerpoint/2010/main" val="1688134666"/>
       </p:ext>
     </p:extLst>
   </p:cSld>
@@ -5464,12 +5562,20 @@
               <a:buNone/>
             </a:pPr>
             <a:r>
-              <a:rPr lang="en-US" sz="2400" dirty="0" err="1">
+              <a:rPr lang="en-US" sz="2400" b="1" dirty="0" err="1">
                 <a:latin typeface="+mj-lt"/>
                 <a:ea typeface="Tahoma" panose="020B0604030504040204" pitchFamily="34" charset="0"/>
                 <a:cs typeface="Tahoma" panose="020B0604030504040204" pitchFamily="34" charset="0"/>
               </a:rPr>
               <a:t>Mạng</a:t>
+            </a:r>
+            <a:r>
+              <a:rPr lang="en-US" sz="2400" b="1" dirty="0">
+                <a:latin typeface="+mj-lt"/>
+                <a:ea typeface="Tahoma" panose="020B0604030504040204" pitchFamily="34" charset="0"/>
+                <a:cs typeface="Tahoma" panose="020B0604030504040204" pitchFamily="34" charset="0"/>
+              </a:rPr>
+              <a:t> LSTM</a:t>
             </a:r>
             <a:r>
               <a:rPr lang="en-US" sz="2400" dirty="0">
@@ -5477,7 +5583,7 @@
                 <a:ea typeface="Tahoma" panose="020B0604030504040204" pitchFamily="34" charset="0"/>
                 <a:cs typeface="Tahoma" panose="020B0604030504040204" pitchFamily="34" charset="0"/>
               </a:rPr>
-              <a:t> LSTM: </a:t>
+              <a:t>: </a:t>
             </a:r>
             <a:r>
               <a:rPr lang="en-US" sz="2400" dirty="0" err="1">
@@ -5651,6 +5757,30 @@
 <file path=ppt/slides/slide16.xml><?xml version="1.0" encoding="utf-8"?>
 <p:sld xmlns:a="http://schemas.openxmlformats.org/drawingml/2006/main" xmlns:r="http://schemas.openxmlformats.org/officeDocument/2006/relationships" xmlns:p="http://schemas.openxmlformats.org/presentationml/2006/main">
   <p:cSld>
+    <p:bg>
+      <p:bgPr>
+        <a:gradFill rotWithShape="1">
+          <a:gsLst>
+            <a:gs pos="0">
+              <a:schemeClr val="bg2">
+                <a:tint val="94000"/>
+                <a:satMod val="80000"/>
+                <a:lumMod val="106000"/>
+              </a:schemeClr>
+            </a:gs>
+            <a:gs pos="100000">
+              <a:schemeClr val="bg2">
+                <a:shade val="80000"/>
+              </a:schemeClr>
+            </a:gs>
+          </a:gsLst>
+          <a:path path="circle">
+            <a:fillToRect l="43000" r="43000" b="100000"/>
+          </a:path>
+        </a:gradFill>
+        <a:effectLst/>
+      </p:bgPr>
+    </p:bg>
     <p:spTree>
       <p:nvGrpSpPr>
         <p:cNvPr id="1" name=""/>
@@ -5683,12 +5813,14 @@
         </p:nvSpPr>
         <p:spPr>
           <a:xfrm>
-            <a:off x="1428164" y="1003178"/>
-            <a:ext cx="9520158" cy="610420"/>
+            <a:off x="1534696" y="804519"/>
+            <a:ext cx="9520158" cy="1049235"/>
           </a:xfrm>
         </p:spPr>
         <p:txBody>
-          <a:bodyPr/>
+          <a:bodyPr>
+            <a:normAutofit/>
+          </a:bodyPr>
           <a:lstStyle/>
           <a:p>
             <a:r>
@@ -5721,8 +5853,8 @@
         </p:nvSpPr>
         <p:spPr>
           <a:xfrm>
-            <a:off x="1534696" y="1922426"/>
-            <a:ext cx="9520158" cy="3450613"/>
+            <a:off x="1534695" y="2184357"/>
+            <a:ext cx="4262286" cy="3281990"/>
           </a:xfrm>
         </p:spPr>
         <p:txBody>
@@ -5735,26 +5867,38 @@
               <a:buNone/>
             </a:pPr>
             <a:r>
-              <a:rPr lang="en-US" sz="2400" dirty="0">
+              <a:rPr lang="en-US" dirty="0">
                 <a:latin typeface="+mj-lt"/>
               </a:rPr>
               <a:t>Ô </a:t>
             </a:r>
             <a:r>
-              <a:rPr lang="en-US" sz="2400" dirty="0" err="1">
+              <a:rPr lang="en-US" dirty="0" err="1">
                 <a:latin typeface="+mj-lt"/>
               </a:rPr>
               <a:t>nhớ</a:t>
             </a:r>
-            <a:endParaRPr lang="en-US" sz="2400" dirty="0">
-              <a:latin typeface="+mj-lt"/>
+            <a:r>
+              <a:rPr lang="en-US" dirty="0">
+                <a:latin typeface="+mj-lt"/>
+              </a:rPr>
+              <a:t>: </a:t>
+            </a:r>
+            <a:r>
+              <a:rPr lang="vi-VN" dirty="0">
+                <a:latin typeface="Palatino Linotype" panose="02040502050505030304" pitchFamily="18" charset="0"/>
+              </a:rPr>
+              <a:t>là thành phần quan trọng nhất của mạng LSTM, nó chịu trách nhiệm lưu trữ và cập nhật thông tin trạng thái ẩn của mạng theo thời gian. Ô nhớ có thể được coi như một bộ nhớ tạm thời, giúp mạng giữ lại thông tin quan trọng và loại bỏ thông tin không cần thiết</a:t>
+            </a:r>
+            <a:endParaRPr lang="en-US" dirty="0">
+              <a:latin typeface="Palatino Linotype" panose="02040502050505030304" pitchFamily="18" charset="0"/>
             </a:endParaRPr>
           </a:p>
           <a:p>
             <a:pPr marL="0" indent="0">
               <a:buNone/>
             </a:pPr>
-            <a:endParaRPr lang="en-US" sz="2400" dirty="0">
+            <a:endParaRPr lang="en-US" dirty="0">
               <a:latin typeface="+mj-lt"/>
             </a:endParaRPr>
           </a:p>
@@ -5782,15 +5926,14 @@
               </a:ext>
             </a:extLst>
           </a:blip>
-          <a:srcRect/>
           <a:stretch>
             <a:fillRect/>
           </a:stretch>
         </p:blipFill>
         <p:spPr bwMode="auto">
           <a:xfrm>
-            <a:off x="3768600" y="2229822"/>
-            <a:ext cx="5324475" cy="3219450"/>
+            <a:off x="6277257" y="2380962"/>
+            <a:ext cx="4777596" cy="2888778"/>
           </a:xfrm>
           <a:prstGeom prst="rect">
             <a:avLst/>
@@ -6645,7 +6788,7 @@
         <p:spPr>
           <a:xfrm>
             <a:off x="1534696" y="2015732"/>
-            <a:ext cx="2561443" cy="3450613"/>
+            <a:ext cx="2953328" cy="3450613"/>
           </a:xfrm>
         </p:spPr>
         <p:txBody>
@@ -7379,49 +7522,49 @@
               <a:buNone/>
             </a:pPr>
             <a:r>
-              <a:rPr lang="en-US" sz="2400" dirty="0" err="1">
+              <a:rPr lang="en-US" sz="2400" b="1" dirty="0" err="1">
                 <a:latin typeface="+mj-lt"/>
               </a:rPr>
               <a:t>Cách</a:t>
             </a:r>
             <a:r>
-              <a:rPr lang="en-US" sz="2400" dirty="0">
+              <a:rPr lang="en-US" sz="2400" b="1" dirty="0">
                 <a:latin typeface="+mj-lt"/>
               </a:rPr>
               <a:t> </a:t>
             </a:r>
             <a:r>
-              <a:rPr lang="en-US" sz="2400" dirty="0" err="1">
+              <a:rPr lang="en-US" sz="2400" b="1" dirty="0" err="1">
                 <a:latin typeface="+mj-lt"/>
               </a:rPr>
               <a:t>thức</a:t>
             </a:r>
             <a:r>
-              <a:rPr lang="en-US" sz="2400" dirty="0">
+              <a:rPr lang="en-US" sz="2400" b="1" dirty="0">
                 <a:latin typeface="+mj-lt"/>
               </a:rPr>
               <a:t> </a:t>
             </a:r>
             <a:r>
-              <a:rPr lang="en-US" sz="2400" dirty="0" err="1">
+              <a:rPr lang="en-US" sz="2400" b="1" dirty="0" err="1">
                 <a:latin typeface="+mj-lt"/>
               </a:rPr>
               <a:t>hoạt</a:t>
             </a:r>
             <a:r>
-              <a:rPr lang="en-US" sz="2400" dirty="0">
+              <a:rPr lang="en-US" sz="2400" b="1" dirty="0">
                 <a:latin typeface="+mj-lt"/>
               </a:rPr>
               <a:t> </a:t>
             </a:r>
             <a:r>
-              <a:rPr lang="en-US" sz="2400" dirty="0" err="1">
+              <a:rPr lang="en-US" sz="2400" b="1" dirty="0" err="1">
                 <a:latin typeface="+mj-lt"/>
               </a:rPr>
               <a:t>động</a:t>
             </a:r>
             <a:r>
-              <a:rPr lang="en-US" sz="2400" dirty="0">
+              <a:rPr lang="en-US" sz="2400" b="1" dirty="0">
                 <a:latin typeface="+mj-lt"/>
               </a:rPr>
               <a:t>:</a:t>
@@ -7444,7 +7587,7 @@
         <p:spPr>
           <a:xfrm>
             <a:off x="1428164" y="2375608"/>
-            <a:ext cx="9019012" cy="1711944"/>
+            <a:ext cx="9019012" cy="2805768"/>
           </a:xfrm>
           <a:prstGeom prst="rect">
             <a:avLst/>
@@ -7463,82 +7606,121 @@
               </a:lnSpc>
             </a:pPr>
             <a:r>
-              <a:rPr lang="vi-VN" sz="1800" dirty="0">
+              <a:rPr lang="vi-VN" sz="2400" dirty="0">
                 <a:effectLst/>
                 <a:latin typeface="Palatino Linotype" panose="02040502050505030304" pitchFamily="18" charset="0"/>
                 <a:ea typeface="Times New Roman" panose="02020603050405020304" pitchFamily="18" charset="0"/>
               </a:rPr>
-              <a:t>Quá trình huấn luyện mạng LSTM thường sử dụng hàm mất mát (</a:t>
-            </a:r>
-            <a:r>
-              <a:rPr lang="vi-VN" sz="1800" dirty="0" err="1">
+              <a:t>Quá trình huấn luyện mạng LSTM thường sử dụng:</a:t>
+            </a:r>
+          </a:p>
+          <a:p>
+            <a:pPr indent="457200" algn="just">
+              <a:lnSpc>
+                <a:spcPct val="150000"/>
+              </a:lnSpc>
+            </a:pPr>
+            <a:r>
+              <a:rPr lang="vi-VN" sz="2400" dirty="0">
+                <a:latin typeface="Palatino Linotype" panose="02040502050505030304" pitchFamily="18" charset="0"/>
+                <a:ea typeface="Times New Roman" panose="02020603050405020304" pitchFamily="18" charset="0"/>
+              </a:rPr>
+              <a:t>- H</a:t>
+            </a:r>
+            <a:r>
+              <a:rPr lang="vi-VN" sz="2400" dirty="0">
                 <a:effectLst/>
                 <a:latin typeface="Palatino Linotype" panose="02040502050505030304" pitchFamily="18" charset="0"/>
                 <a:ea typeface="Times New Roman" panose="02020603050405020304" pitchFamily="18" charset="0"/>
               </a:rPr>
-              <a:t>loss</a:t>
-            </a:r>
-            <a:r>
-              <a:rPr lang="vi-VN" sz="1800" dirty="0">
+              <a:t>àm mất mát (</a:t>
+            </a:r>
+            <a:r>
+              <a:rPr lang="vi-VN" sz="2400" dirty="0" err="1">
                 <a:effectLst/>
                 <a:latin typeface="Palatino Linotype" panose="02040502050505030304" pitchFamily="18" charset="0"/>
                 <a:ea typeface="Times New Roman" panose="02020603050405020304" pitchFamily="18" charset="0"/>
               </a:rPr>
-              <a:t> </a:t>
-            </a:r>
-            <a:r>
-              <a:rPr lang="vi-VN" sz="1800" dirty="0" err="1">
+              <a:t>loss</a:t>
+            </a:r>
+            <a:r>
+              <a:rPr lang="vi-VN" sz="2400" dirty="0">
                 <a:effectLst/>
                 <a:latin typeface="Palatino Linotype" panose="02040502050505030304" pitchFamily="18" charset="0"/>
                 <a:ea typeface="Times New Roman" panose="02020603050405020304" pitchFamily="18" charset="0"/>
               </a:rPr>
-              <a:t>function</a:t>
-            </a:r>
-            <a:r>
-              <a:rPr lang="vi-VN" sz="1800" dirty="0">
+              <a:t> </a:t>
+            </a:r>
+            <a:r>
+              <a:rPr lang="vi-VN" sz="2400" dirty="0" err="1">
                 <a:effectLst/>
                 <a:latin typeface="Palatino Linotype" panose="02040502050505030304" pitchFamily="18" charset="0"/>
                 <a:ea typeface="Times New Roman" panose="02020603050405020304" pitchFamily="18" charset="0"/>
               </a:rPr>
-              <a:t>) và thuật toán tối ưu hóa (</a:t>
-            </a:r>
-            <a:r>
-              <a:rPr lang="vi-VN" sz="1800" dirty="0" err="1">
+              <a:t>function</a:t>
+            </a:r>
+            <a:r>
+              <a:rPr lang="vi-VN" sz="2400" dirty="0">
                 <a:effectLst/>
                 <a:latin typeface="Palatino Linotype" panose="02040502050505030304" pitchFamily="18" charset="0"/>
                 <a:ea typeface="Times New Roman" panose="02020603050405020304" pitchFamily="18" charset="0"/>
               </a:rPr>
-              <a:t>optimization</a:t>
-            </a:r>
-            <a:r>
-              <a:rPr lang="vi-VN" sz="1800" dirty="0">
+              <a:t>): đo lường sự khác biệt giữa giá trị dự đoán và giá trị thực tế của dữ liệu</a:t>
+            </a:r>
+          </a:p>
+          <a:p>
+            <a:pPr indent="457200" algn="just">
+              <a:lnSpc>
+                <a:spcPct val="150000"/>
+              </a:lnSpc>
+            </a:pPr>
+            <a:r>
+              <a:rPr lang="vi-VN" sz="2400" dirty="0">
+                <a:latin typeface="Palatino Linotype" panose="02040502050505030304" pitchFamily="18" charset="0"/>
+                <a:ea typeface="Times New Roman" panose="02020603050405020304" pitchFamily="18" charset="0"/>
+              </a:rPr>
+              <a:t>- T</a:t>
+            </a:r>
+            <a:r>
+              <a:rPr lang="vi-VN" sz="2400" dirty="0">
                 <a:effectLst/>
                 <a:latin typeface="Palatino Linotype" panose="02040502050505030304" pitchFamily="18" charset="0"/>
                 <a:ea typeface="Times New Roman" panose="02020603050405020304" pitchFamily="18" charset="0"/>
               </a:rPr>
-              <a:t> </a:t>
-            </a:r>
-            <a:r>
-              <a:rPr lang="vi-VN" sz="1800" dirty="0" err="1">
+              <a:t>huật toán tối ưu hóa (</a:t>
+            </a:r>
+            <a:r>
+              <a:rPr lang="vi-VN" sz="2400" dirty="0" err="1">
                 <a:effectLst/>
                 <a:latin typeface="Palatino Linotype" panose="02040502050505030304" pitchFamily="18" charset="0"/>
                 <a:ea typeface="Times New Roman" panose="02020603050405020304" pitchFamily="18" charset="0"/>
               </a:rPr>
-              <a:t>algorithm</a:t>
-            </a:r>
-            <a:r>
-              <a:rPr lang="vi-VN" sz="1800" dirty="0">
+              <a:t>optimization</a:t>
+            </a:r>
+            <a:r>
+              <a:rPr lang="vi-VN" sz="2400" dirty="0">
                 <a:effectLst/>
                 <a:latin typeface="Palatino Linotype" panose="02040502050505030304" pitchFamily="18" charset="0"/>
                 <a:ea typeface="Times New Roman" panose="02020603050405020304" pitchFamily="18" charset="0"/>
               </a:rPr>
-              <a:t>). Hàm mất mát đo lường sự khác biệt giữa giá trị dự đoán và giá trị thực tế của dữ liệu. Thuật toán tối ưu hóa cập nhật các trọng số của mạng LSTM để giảm thiểu hàm mất mát.</a:t>
-            </a:r>
-            <a:endParaRPr lang="vi-VN" sz="1600" dirty="0">
-              <a:effectLst/>
-              <a:latin typeface="Palatino Linotype" panose="02040502050505030304" pitchFamily="18" charset="0"/>
-              <a:ea typeface="Times New Roman" panose="02020603050405020304" pitchFamily="18" charset="0"/>
-            </a:endParaRPr>
+              <a:t> </a:t>
+            </a:r>
+            <a:r>
+              <a:rPr lang="vi-VN" sz="2400" dirty="0" err="1">
+                <a:effectLst/>
+                <a:latin typeface="Palatino Linotype" panose="02040502050505030304" pitchFamily="18" charset="0"/>
+                <a:ea typeface="Times New Roman" panose="02020603050405020304" pitchFamily="18" charset="0"/>
+              </a:rPr>
+              <a:t>algorithm</a:t>
+            </a:r>
+            <a:r>
+              <a:rPr lang="vi-VN" sz="2400" dirty="0">
+                <a:effectLst/>
+                <a:latin typeface="Palatino Linotype" panose="02040502050505030304" pitchFamily="18" charset="0"/>
+                <a:ea typeface="Times New Roman" panose="02020603050405020304" pitchFamily="18" charset="0"/>
+              </a:rPr>
+              <a:t>): cập nhật các trọng số của mạng LSTM để giảm thiểu hàm mất mát.</a:t>
+            </a:r>
           </a:p>
         </p:txBody>
       </p:sp>
@@ -7610,122 +7792,41 @@
           </a:p>
         </p:txBody>
       </p:sp>
-      <p:sp>
-        <p:nvSpPr>
-          <p:cNvPr id="3" name="Content Placeholder 2">
-            <a:extLst>
-              <a:ext uri="{FF2B5EF4-FFF2-40B4-BE49-F238E27FC236}">
-                <a16:creationId xmlns:a16="http://schemas.microsoft.com/office/drawing/2014/main" id="{AE3B3F0A-543B-C65C-1039-A8772A1D2C53}"/>
-              </a:ext>
-            </a:extLst>
-          </p:cNvPr>
-          <p:cNvSpPr>
-            <a:spLocks noGrp="1"/>
-          </p:cNvSpPr>
-          <p:nvPr>
-            <p:ph idx="1"/>
-          </p:nvPr>
-        </p:nvSpPr>
-        <p:spPr>
-          <a:xfrm>
-            <a:off x="1428164" y="1703693"/>
-            <a:ext cx="9520158" cy="3450613"/>
-          </a:xfrm>
-        </p:spPr>
-        <p:txBody>
-          <a:bodyPr>
-            <a:normAutofit/>
-          </a:bodyPr>
-          <a:lstStyle/>
-          <a:p>
-            <a:pPr marL="0" indent="0">
-              <a:buNone/>
-            </a:pPr>
-            <a:r>
-              <a:rPr lang="en-US" sz="2400" dirty="0" err="1">
-                <a:latin typeface="+mj-lt"/>
-              </a:rPr>
-              <a:t>Cách</a:t>
-            </a:r>
-            <a:r>
-              <a:rPr lang="en-US" sz="2400" dirty="0">
-                <a:latin typeface="+mj-lt"/>
-              </a:rPr>
-              <a:t> </a:t>
-            </a:r>
-            <a:r>
-              <a:rPr lang="en-US" sz="2400" dirty="0" err="1">
-                <a:latin typeface="+mj-lt"/>
-              </a:rPr>
-              <a:t>thức</a:t>
-            </a:r>
-            <a:r>
-              <a:rPr lang="en-US" sz="2400" dirty="0">
-                <a:latin typeface="+mj-lt"/>
-              </a:rPr>
-              <a:t> </a:t>
-            </a:r>
-            <a:r>
-              <a:rPr lang="en-US" sz="2400" dirty="0" err="1">
-                <a:latin typeface="+mj-lt"/>
-              </a:rPr>
-              <a:t>hoạt</a:t>
-            </a:r>
-            <a:r>
-              <a:rPr lang="en-US" sz="2400" dirty="0">
-                <a:latin typeface="+mj-lt"/>
-              </a:rPr>
-              <a:t> </a:t>
-            </a:r>
-            <a:r>
-              <a:rPr lang="en-US" sz="2400" dirty="0" err="1">
-                <a:latin typeface="+mj-lt"/>
-              </a:rPr>
-              <a:t>động</a:t>
-            </a:r>
-            <a:r>
-              <a:rPr lang="en-US" sz="2400" dirty="0">
-                <a:latin typeface="+mj-lt"/>
-              </a:rPr>
-              <a:t>:</a:t>
-            </a:r>
-          </a:p>
-        </p:txBody>
-      </p:sp>
       <mc:AlternateContent xmlns:mc="http://schemas.openxmlformats.org/markup-compatibility/2006">
         <mc:Choice xmlns:a14="http://schemas.microsoft.com/office/drawing/2010/main" Requires="a14">
           <p:sp>
             <p:nvSpPr>
-              <p:cNvPr id="5" name="TextBox 4">
+              <p:cNvPr id="3" name="Content Placeholder 2">
                 <a:extLst>
                   <a:ext uri="{FF2B5EF4-FFF2-40B4-BE49-F238E27FC236}">
-                    <a16:creationId xmlns:a16="http://schemas.microsoft.com/office/drawing/2014/main" id="{44122898-3D10-1885-AFAC-FE45E7CBE1F1}"/>
+                    <a16:creationId xmlns:a16="http://schemas.microsoft.com/office/drawing/2014/main" id="{AE3B3F0A-543B-C65C-1039-A8772A1D2C53}"/>
                   </a:ext>
                 </a:extLst>
               </p:cNvPr>
-              <p:cNvSpPr txBox="1"/>
-              <p:nvPr/>
+              <p:cNvSpPr>
+                <a:spLocks noGrp="1"/>
+              </p:cNvSpPr>
+              <p:nvPr>
+                <p:ph idx="1"/>
+              </p:nvPr>
             </p:nvSpPr>
             <p:spPr>
               <a:xfrm>
-                <a:off x="1428163" y="2144319"/>
-                <a:ext cx="9899199" cy="3710503"/>
+                <a:off x="1428164" y="1703693"/>
+                <a:ext cx="9520158" cy="3450613"/>
               </a:xfrm>
-              <a:prstGeom prst="rect">
-                <a:avLst/>
-              </a:prstGeom>
-              <a:noFill/>
             </p:spPr>
             <p:txBody>
-              <a:bodyPr wrap="square">
-                <a:spAutoFit/>
+              <a:bodyPr>
+                <a:noAutofit/>
               </a:bodyPr>
               <a:lstStyle/>
               <a:p>
-                <a:pPr indent="457200" algn="just">
+                <a:pPr indent="0" algn="just">
                   <a:lnSpc>
                     <a:spcPct val="150000"/>
                   </a:lnSpc>
+                  <a:buNone/>
                 </a:pPr>
                 <a:r>
                   <a:rPr lang="vi-VN" sz="1800" dirty="0">
@@ -7783,17 +7884,13 @@
                   </a:rPr>
                   <a:t> - MSE), được định nghĩa như sau:</a:t>
                 </a:r>
-                <a:endParaRPr lang="vi-VN" sz="1600" dirty="0">
-                  <a:effectLst/>
-                  <a:latin typeface="Palatino Linotype" panose="02040502050505030304" pitchFamily="18" charset="0"/>
-                  <a:ea typeface="Times New Roman" panose="02020603050405020304" pitchFamily="18" charset="0"/>
-                </a:endParaRPr>
               </a:p>
               <a:p>
-                <a:pPr indent="457200" algn="just">
+                <a:pPr indent="0" algn="just">
                   <a:lnSpc>
                     <a:spcPct val="150000"/>
                   </a:lnSpc>
+                  <a:buNone/>
                 </a:pPr>
                 <a14:m>
                   <m:oMathPara xmlns:m="http://schemas.openxmlformats.org/officeDocument/2006/math">
@@ -8013,17 +8110,18 @@
                     </m:oMath>
                   </m:oMathPara>
                 </a14:m>
-                <a:endParaRPr lang="vi-VN" sz="1600" dirty="0">
+                <a:endParaRPr lang="vi-VN" sz="1800" dirty="0">
                   <a:effectLst/>
                   <a:latin typeface="Palatino Linotype" panose="02040502050505030304" pitchFamily="18" charset="0"/>
                   <a:ea typeface="Times New Roman" panose="02020603050405020304" pitchFamily="18" charset="0"/>
                 </a:endParaRPr>
               </a:p>
               <a:p>
-                <a:pPr indent="457200" algn="just">
+                <a:pPr indent="0" algn="just">
                   <a:lnSpc>
                     <a:spcPct val="150000"/>
                   </a:lnSpc>
+                  <a:buNone/>
                 </a:pPr>
                 <a:r>
                   <a:rPr lang="vi-VN" sz="1800" dirty="0">
@@ -8033,11 +8131,6 @@
                   </a:rPr>
                   <a:t>Trong đó:</a:t>
                 </a:r>
-                <a:endParaRPr lang="vi-VN" sz="1600" dirty="0">
-                  <a:effectLst/>
-                  <a:latin typeface="Palatino Linotype" panose="02040502050505030304" pitchFamily="18" charset="0"/>
-                  <a:ea typeface="Times New Roman" panose="02020603050405020304" pitchFamily="18" charset="0"/>
-                </a:endParaRPr>
               </a:p>
               <a:p>
                 <a:pPr marL="342900" lvl="0" indent="-342900" algn="just">
@@ -8056,11 +8149,6 @@
                   </a:rPr>
                   <a:t>N là số lượng điểm dữ liệu huấn luyện hoặc kiểm tra</a:t>
                 </a:r>
-                <a:endParaRPr lang="vi-VN" sz="1600" dirty="0">
-                  <a:effectLst/>
-                  <a:latin typeface="Palatino Linotype" panose="02040502050505030304" pitchFamily="18" charset="0"/>
-                  <a:ea typeface="Times New Roman" panose="02020603050405020304" pitchFamily="18" charset="0"/>
-                </a:endParaRPr>
               </a:p>
               <a:p>
                 <a:pPr marL="342900" lvl="0" indent="-342900" algn="just">
@@ -8114,11 +8202,6 @@
                   </a:rPr>
                   <a:t> là giá trị thực tế của mẫu thứ i</a:t>
                 </a:r>
-                <a:endParaRPr lang="vi-VN" sz="1600" dirty="0">
-                  <a:effectLst/>
-                  <a:latin typeface="Palatino Linotype" panose="02040502050505030304" pitchFamily="18" charset="0"/>
-                  <a:ea typeface="Times New Roman" panose="02020603050405020304" pitchFamily="18" charset="0"/>
-                </a:endParaRPr>
               </a:p>
               <a:p>
                 <a:pPr marL="342900" lvl="0" indent="-342900" algn="just">
@@ -8186,11 +8269,6 @@
                   </a:rPr>
                   <a:t> là giá trị dự đoán của mẫu thứ i</a:t>
                 </a:r>
-                <a:endParaRPr lang="vi-VN" sz="1600" dirty="0">
-                  <a:effectLst/>
-                  <a:latin typeface="Palatino Linotype" panose="02040502050505030304" pitchFamily="18" charset="0"/>
-                  <a:ea typeface="Times New Roman" panose="02020603050405020304" pitchFamily="18" charset="0"/>
-                </a:endParaRPr>
               </a:p>
             </p:txBody>
           </p:sp>
@@ -8198,30 +8276,29 @@
         <mc:Fallback>
           <p:sp>
             <p:nvSpPr>
-              <p:cNvPr id="5" name="TextBox 4">
+              <p:cNvPr id="3" name="Content Placeholder 2">
                 <a:extLst>
                   <a:ext uri="{FF2B5EF4-FFF2-40B4-BE49-F238E27FC236}">
-                    <a16:creationId xmlns:a16="http://schemas.microsoft.com/office/drawing/2014/main" id="{44122898-3D10-1885-AFAC-FE45E7CBE1F1}"/>
+                    <a16:creationId xmlns:a16="http://schemas.microsoft.com/office/drawing/2014/main" id="{AE3B3F0A-543B-C65C-1039-A8772A1D2C53}"/>
                   </a:ext>
                 </a:extLst>
               </p:cNvPr>
-              <p:cNvSpPr txBox="1">
-                <a:spLocks noRot="1" noChangeAspect="1" noMove="1" noResize="1" noEditPoints="1" noAdjustHandles="1" noChangeArrowheads="1" noChangeShapeType="1" noTextEdit="1"/>
+              <p:cNvSpPr>
+                <a:spLocks noGrp="1" noRot="1" noChangeAspect="1" noMove="1" noResize="1" noEditPoints="1" noAdjustHandles="1" noChangeArrowheads="1" noChangeShapeType="1" noTextEdit="1"/>
               </p:cNvSpPr>
-              <p:nvPr/>
+              <p:nvPr>
+                <p:ph idx="1"/>
+              </p:nvPr>
             </p:nvSpPr>
             <p:spPr>
               <a:xfrm>
-                <a:off x="1428163" y="2144319"/>
-                <a:ext cx="9899199" cy="3710503"/>
+                <a:off x="1428164" y="1703693"/>
+                <a:ext cx="9520158" cy="3450613"/>
               </a:xfrm>
-              <a:prstGeom prst="rect">
-                <a:avLst/>
-              </a:prstGeom>
               <a:blipFill>
                 <a:blip r:embed="rId2"/>
                 <a:stretch>
-                  <a:fillRect l="-493" r="-554" b="-1809"/>
+                  <a:fillRect r="-576" b="-23810"/>
                 </a:stretch>
               </a:blipFill>
             </p:spPr>
@@ -8332,7 +8409,7 @@
         </p:spPr>
         <p:txBody>
           <a:bodyPr>
-            <a:normAutofit/>
+            <a:normAutofit lnSpcReduction="10000"/>
           </a:bodyPr>
           <a:lstStyle/>
           <a:p>
@@ -8340,91 +8417,7 @@
               <a:buNone/>
             </a:pPr>
             <a:r>
-              <a:rPr lang="en-US" sz="2400" dirty="0" err="1">
-                <a:latin typeface="+mj-lt"/>
-              </a:rPr>
-              <a:t>Cách</a:t>
-            </a:r>
-            <a:r>
-              <a:rPr lang="en-US" sz="2400" dirty="0">
-                <a:latin typeface="+mj-lt"/>
-              </a:rPr>
-              <a:t> </a:t>
-            </a:r>
-            <a:r>
-              <a:rPr lang="en-US" sz="2400" dirty="0" err="1">
-                <a:latin typeface="+mj-lt"/>
-              </a:rPr>
-              <a:t>thức</a:t>
-            </a:r>
-            <a:r>
-              <a:rPr lang="en-US" sz="2400" dirty="0">
-                <a:latin typeface="+mj-lt"/>
-              </a:rPr>
-              <a:t> </a:t>
-            </a:r>
-            <a:r>
-              <a:rPr lang="en-US" sz="2400" dirty="0" err="1">
-                <a:latin typeface="+mj-lt"/>
-              </a:rPr>
-              <a:t>hoạt</a:t>
-            </a:r>
-            <a:r>
-              <a:rPr lang="en-US" sz="2400" dirty="0">
-                <a:latin typeface="+mj-lt"/>
-              </a:rPr>
-              <a:t> </a:t>
-            </a:r>
-            <a:r>
-              <a:rPr lang="en-US" sz="2400" dirty="0" err="1">
-                <a:latin typeface="+mj-lt"/>
-              </a:rPr>
-              <a:t>động</a:t>
-            </a:r>
-            <a:r>
-              <a:rPr lang="en-US" sz="2400" dirty="0">
-                <a:latin typeface="+mj-lt"/>
-              </a:rPr>
-              <a:t>:</a:t>
-            </a:r>
-          </a:p>
-        </p:txBody>
-      </p:sp>
-      <p:sp>
-        <p:nvSpPr>
-          <p:cNvPr id="5" name="TextBox 4">
-            <a:extLst>
-              <a:ext uri="{FF2B5EF4-FFF2-40B4-BE49-F238E27FC236}">
-                <a16:creationId xmlns:a16="http://schemas.microsoft.com/office/drawing/2014/main" id="{44122898-3D10-1885-AFAC-FE45E7CBE1F1}"/>
-              </a:ext>
-            </a:extLst>
-          </p:cNvPr>
-          <p:cNvSpPr txBox="1"/>
-          <p:nvPr/>
-        </p:nvSpPr>
-        <p:spPr>
-          <a:xfrm>
-            <a:off x="1428165" y="2285962"/>
-            <a:ext cx="9520157" cy="2958439"/>
-          </a:xfrm>
-          <a:prstGeom prst="rect">
-            <a:avLst/>
-          </a:prstGeom>
-          <a:noFill/>
-        </p:spPr>
-        <p:txBody>
-          <a:bodyPr wrap="square">
-            <a:spAutoFit/>
-          </a:bodyPr>
-          <a:lstStyle/>
-          <a:p>
-            <a:pPr indent="457200" algn="just">
-              <a:lnSpc>
-                <a:spcPct val="150000"/>
-              </a:lnSpc>
-            </a:pPr>
-            <a:r>
-              <a:rPr lang="vi-VN" sz="1800" dirty="0">
+              <a:rPr lang="vi-VN" sz="2400" dirty="0">
                 <a:effectLst/>
                 <a:latin typeface="Palatino Linotype" panose="02040502050505030304" pitchFamily="18" charset="0"/>
                 <a:ea typeface="Times New Roman" panose="02020603050405020304" pitchFamily="18" charset="0"/>
@@ -8432,7 +8425,7 @@
               <a:t>Thuật toán tối ưu hóa phổ biến cho việc huấn luyện mạng LSTM là thuật toán lan truyền ngược qua thời gian (</a:t>
             </a:r>
             <a:r>
-              <a:rPr lang="vi-VN" sz="1800" dirty="0" err="1">
+              <a:rPr lang="vi-VN" sz="2400" dirty="0" err="1">
                 <a:effectLst/>
                 <a:latin typeface="Palatino Linotype" panose="02040502050505030304" pitchFamily="18" charset="0"/>
                 <a:ea typeface="Times New Roman" panose="02020603050405020304" pitchFamily="18" charset="0"/>
@@ -8440,7 +8433,7 @@
               <a:t>Backpropagation</a:t>
             </a:r>
             <a:r>
-              <a:rPr lang="vi-VN" sz="1800" dirty="0">
+              <a:rPr lang="vi-VN" sz="2400" dirty="0">
                 <a:effectLst/>
                 <a:latin typeface="Palatino Linotype" panose="02040502050505030304" pitchFamily="18" charset="0"/>
                 <a:ea typeface="Times New Roman" panose="02020603050405020304" pitchFamily="18" charset="0"/>
@@ -8448,7 +8441,7 @@
               <a:t> </a:t>
             </a:r>
             <a:r>
-              <a:rPr lang="vi-VN" sz="1800" dirty="0" err="1">
+              <a:rPr lang="vi-VN" sz="2400" dirty="0" err="1">
                 <a:effectLst/>
                 <a:latin typeface="Palatino Linotype" panose="02040502050505030304" pitchFamily="18" charset="0"/>
                 <a:ea typeface="Times New Roman" panose="02020603050405020304" pitchFamily="18" charset="0"/>
@@ -8456,7 +8449,7 @@
               <a:t>Through</a:t>
             </a:r>
             <a:r>
-              <a:rPr lang="vi-VN" sz="1800" dirty="0">
+              <a:rPr lang="vi-VN" sz="2400" dirty="0">
                 <a:effectLst/>
                 <a:latin typeface="Palatino Linotype" panose="02040502050505030304" pitchFamily="18" charset="0"/>
                 <a:ea typeface="Times New Roman" panose="02020603050405020304" pitchFamily="18" charset="0"/>
@@ -8464,7 +8457,7 @@
               <a:t> </a:t>
             </a:r>
             <a:r>
-              <a:rPr lang="vi-VN" sz="1800" dirty="0" err="1">
+              <a:rPr lang="vi-VN" sz="2400" dirty="0" err="1">
                 <a:effectLst/>
                 <a:latin typeface="Palatino Linotype" panose="02040502050505030304" pitchFamily="18" charset="0"/>
                 <a:ea typeface="Times New Roman" panose="02020603050405020304" pitchFamily="18" charset="0"/>
@@ -8472,14 +8465,27 @@
               <a:t>Time</a:t>
             </a:r>
             <a:r>
-              <a:rPr lang="vi-VN" sz="1800" dirty="0">
+              <a:rPr lang="vi-VN" sz="2400" dirty="0">
                 <a:effectLst/>
                 <a:latin typeface="Palatino Linotype" panose="02040502050505030304" pitchFamily="18" charset="0"/>
                 <a:ea typeface="Times New Roman" panose="02020603050405020304" pitchFamily="18" charset="0"/>
               </a:rPr>
-              <a:t> – BPTT). Điều này giúp mạng LSTM học được cấu trúc và xu hướng trong dữ liệu huấn luyện, từ đó có thể dự đoán tốt trên dữ liệu mới. Thuật toán BPTT tính toán đạo hàm riêng bằng cách lan truyền ngược lỗi từ tầng đầu ra qua các tầng ẩn từ cuối dòng thời gian về đầu chuỗi, giúp cập nhật trọng số của mạng dựa trên lỗi tại mỗi bước thời gian, từ đó giúp mạng "học" từ lỗi và cải thiện hiệu suất dự đoán.</a:t>
-            </a:r>
-            <a:endParaRPr lang="vi-VN" sz="1600" dirty="0">
+              <a:t> – BPTT).</a:t>
+            </a:r>
+          </a:p>
+          <a:p>
+            <a:pPr marL="0" indent="0">
+              <a:buNone/>
+            </a:pPr>
+            <a:r>
+              <a:rPr lang="vi-VN" sz="2400" dirty="0">
+                <a:effectLst/>
+                <a:latin typeface="Palatino Linotype" panose="02040502050505030304" pitchFamily="18" charset="0"/>
+                <a:ea typeface="Times New Roman" panose="02020603050405020304" pitchFamily="18" charset="0"/>
+              </a:rPr>
+              <a:t>Thuật toán BPTT tính toán đạo hàm riêng bằng cách lan truyền ngược lỗi từ tầng đầu ra qua các tầng ẩn từ cuối dòng thời gian về đầu chuỗi, giúp cập nhật trọng số của mạng dựa trên lỗi tại mỗi bước thời gian, từ đó giúp mạng "học" từ lỗi và cải thiện hiệu suất dự đoán.</a:t>
+            </a:r>
+            <a:endParaRPr lang="vi-VN" sz="2000" dirty="0">
               <a:effectLst/>
               <a:latin typeface="Palatino Linotype" panose="02040502050505030304" pitchFamily="18" charset="0"/>
               <a:ea typeface="Times New Roman" panose="02020603050405020304" pitchFamily="18" charset="0"/>
@@ -8587,84 +8593,84 @@
               <a:buNone/>
             </a:pPr>
             <a:r>
-              <a:rPr lang="en-US" sz="2400" dirty="0" err="1">
+              <a:rPr lang="en-US" sz="2400" b="1" dirty="0" err="1">
                 <a:latin typeface="+mj-lt"/>
               </a:rPr>
               <a:t>Phương</a:t>
             </a:r>
             <a:r>
-              <a:rPr lang="en-US" sz="2400" dirty="0">
+              <a:rPr lang="en-US" sz="2400" b="1" dirty="0">
                 <a:latin typeface="+mj-lt"/>
               </a:rPr>
               <a:t> </a:t>
             </a:r>
             <a:r>
-              <a:rPr lang="en-US" sz="2400" dirty="0" err="1">
+              <a:rPr lang="en-US" sz="2400" b="1" dirty="0" err="1">
                 <a:latin typeface="+mj-lt"/>
               </a:rPr>
               <a:t>pháp</a:t>
             </a:r>
             <a:r>
-              <a:rPr lang="en-US" sz="2400" dirty="0">
+              <a:rPr lang="en-US" sz="2400" b="1" dirty="0">
                 <a:latin typeface="+mj-lt"/>
               </a:rPr>
               <a:t> </a:t>
             </a:r>
             <a:r>
-              <a:rPr lang="en-US" sz="2400" dirty="0" err="1">
+              <a:rPr lang="en-US" sz="2400" b="1" dirty="0" err="1">
                 <a:latin typeface="+mj-lt"/>
               </a:rPr>
               <a:t>huấn</a:t>
             </a:r>
             <a:r>
-              <a:rPr lang="en-US" sz="2400" dirty="0">
+              <a:rPr lang="en-US" sz="2400" b="1" dirty="0">
                 <a:latin typeface="+mj-lt"/>
               </a:rPr>
               <a:t> </a:t>
             </a:r>
             <a:r>
-              <a:rPr lang="en-US" sz="2400" dirty="0" err="1">
+              <a:rPr lang="en-US" sz="2400" b="1" dirty="0" err="1">
                 <a:latin typeface="+mj-lt"/>
               </a:rPr>
               <a:t>luyện</a:t>
             </a:r>
             <a:r>
-              <a:rPr lang="en-US" sz="2400" dirty="0">
+              <a:rPr lang="en-US" sz="2400" b="1" dirty="0">
                 <a:latin typeface="+mj-lt"/>
               </a:rPr>
               <a:t> </a:t>
             </a:r>
             <a:r>
-              <a:rPr lang="en-US" sz="2400" dirty="0" err="1">
+              <a:rPr lang="en-US" sz="2400" b="1" dirty="0" err="1">
                 <a:latin typeface="+mj-lt"/>
               </a:rPr>
               <a:t>và</a:t>
             </a:r>
             <a:r>
-              <a:rPr lang="en-US" sz="2400" dirty="0">
+              <a:rPr lang="en-US" sz="2400" b="1" dirty="0">
                 <a:latin typeface="+mj-lt"/>
               </a:rPr>
               <a:t> </a:t>
             </a:r>
             <a:r>
-              <a:rPr lang="en-US" sz="2400" dirty="0" err="1">
+              <a:rPr lang="en-US" sz="2400" b="1" dirty="0" err="1">
                 <a:latin typeface="+mj-lt"/>
               </a:rPr>
               <a:t>đánh</a:t>
             </a:r>
             <a:r>
-              <a:rPr lang="en-US" sz="2400" dirty="0">
+              <a:rPr lang="en-US" sz="2400" b="1" dirty="0">
                 <a:latin typeface="+mj-lt"/>
               </a:rPr>
               <a:t> </a:t>
             </a:r>
             <a:r>
-              <a:rPr lang="en-US" sz="2400" dirty="0" err="1">
+              <a:rPr lang="en-US" sz="2400" b="1" dirty="0" err="1">
                 <a:latin typeface="+mj-lt"/>
               </a:rPr>
               <a:t>giá</a:t>
             </a:r>
-            <a:endParaRPr lang="en-US" sz="2400" dirty="0">
+            <a:endParaRPr lang="en-US" sz="2400" b="1" dirty="0">
               <a:latin typeface="+mj-lt"/>
             </a:endParaRPr>
           </a:p>
@@ -8686,8 +8692,8 @@
             </p:nvSpPr>
             <p:spPr>
               <a:xfrm>
-                <a:off x="2845837" y="2769374"/>
-                <a:ext cx="6102220" cy="2260683"/>
+                <a:off x="1428163" y="2480125"/>
+                <a:ext cx="9833885" cy="2880340"/>
               </a:xfrm>
               <a:prstGeom prst="rect">
                 <a:avLst/>
@@ -8706,7 +8712,7 @@
                   </a:lnSpc>
                 </a:pPr>
                 <a:r>
-                  <a:rPr lang="vi-VN" sz="1400" dirty="0">
+                  <a:rPr lang="vi-VN" dirty="0">
                     <a:effectLst/>
                     <a:latin typeface="Palatino Linotype" panose="02040502050505030304" pitchFamily="18" charset="0"/>
                     <a:ea typeface="Times New Roman" panose="02020603050405020304" pitchFamily="18" charset="0"/>
@@ -8724,7 +8730,7 @@
                   <a:buChar char="-"/>
                 </a:pPr>
                 <a:r>
-                  <a:rPr lang="vi-VN" sz="1400" dirty="0">
+                  <a:rPr lang="vi-VN" dirty="0">
                     <a:effectLst/>
                     <a:latin typeface="Palatino Linotype" panose="02040502050505030304" pitchFamily="18" charset="0"/>
                     <a:ea typeface="Times New Roman" panose="02020603050405020304" pitchFamily="18" charset="0"/>
@@ -8732,7 +8738,7 @@
                   <a:t>Sai số phần trăm tuyệt đối trung bình (MAPE – </a:t>
                 </a:r>
                 <a:r>
-                  <a:rPr lang="vi-VN" sz="1400" dirty="0" err="1">
+                  <a:rPr lang="vi-VN" dirty="0" err="1">
                     <a:effectLst/>
                     <a:latin typeface="Palatino Linotype" panose="02040502050505030304" pitchFamily="18" charset="0"/>
                     <a:ea typeface="Times New Roman" panose="02020603050405020304" pitchFamily="18" charset="0"/>
@@ -8740,7 +8746,7 @@
                   <a:t>Mean</a:t>
                 </a:r>
                 <a:r>
-                  <a:rPr lang="vi-VN" sz="1400" dirty="0">
+                  <a:rPr lang="vi-VN" dirty="0">
                     <a:effectLst/>
                     <a:latin typeface="Palatino Linotype" panose="02040502050505030304" pitchFamily="18" charset="0"/>
                     <a:ea typeface="Times New Roman" panose="02020603050405020304" pitchFamily="18" charset="0"/>
@@ -8748,7 +8754,7 @@
                   <a:t> </a:t>
                 </a:r>
                 <a:r>
-                  <a:rPr lang="vi-VN" sz="1400" dirty="0" err="1">
+                  <a:rPr lang="vi-VN" dirty="0" err="1">
                     <a:effectLst/>
                     <a:latin typeface="Palatino Linotype" panose="02040502050505030304" pitchFamily="18" charset="0"/>
                     <a:ea typeface="Times New Roman" panose="02020603050405020304" pitchFamily="18" charset="0"/>
@@ -8756,7 +8762,7 @@
                   <a:t>absolute</a:t>
                 </a:r>
                 <a:r>
-                  <a:rPr lang="vi-VN" sz="1400" dirty="0">
+                  <a:rPr lang="vi-VN" dirty="0">
                     <a:effectLst/>
                     <a:latin typeface="Palatino Linotype" panose="02040502050505030304" pitchFamily="18" charset="0"/>
                     <a:ea typeface="Times New Roman" panose="02020603050405020304" pitchFamily="18" charset="0"/>
@@ -8764,7 +8770,7 @@
                   <a:t> </a:t>
                 </a:r>
                 <a:r>
-                  <a:rPr lang="vi-VN" sz="1400" dirty="0" err="1">
+                  <a:rPr lang="vi-VN" dirty="0" err="1">
                     <a:effectLst/>
                     <a:latin typeface="Palatino Linotype" panose="02040502050505030304" pitchFamily="18" charset="0"/>
                     <a:ea typeface="Times New Roman" panose="02020603050405020304" pitchFamily="18" charset="0"/>
@@ -8772,7 +8778,7 @@
                   <a:t>percentage</a:t>
                 </a:r>
                 <a:r>
-                  <a:rPr lang="vi-VN" sz="1400" dirty="0">
+                  <a:rPr lang="vi-VN" dirty="0">
                     <a:effectLst/>
                     <a:latin typeface="Palatino Linotype" panose="02040502050505030304" pitchFamily="18" charset="0"/>
                     <a:ea typeface="Times New Roman" panose="02020603050405020304" pitchFamily="18" charset="0"/>
@@ -8780,7 +8786,7 @@
                   <a:t> </a:t>
                 </a:r>
                 <a:r>
-                  <a:rPr lang="vi-VN" sz="1400" dirty="0" err="1">
+                  <a:rPr lang="vi-VN" dirty="0" err="1">
                     <a:effectLst/>
                     <a:latin typeface="Palatino Linotype" panose="02040502050505030304" pitchFamily="18" charset="0"/>
                     <a:ea typeface="Times New Roman" panose="02020603050405020304" pitchFamily="18" charset="0"/>
@@ -8788,7 +8794,7 @@
                   <a:t>error</a:t>
                 </a:r>
                 <a:r>
-                  <a:rPr lang="vi-VN" sz="1400" dirty="0">
+                  <a:rPr lang="vi-VN" dirty="0">
                     <a:effectLst/>
                     <a:latin typeface="Palatino Linotype" panose="02040502050505030304" pitchFamily="18" charset="0"/>
                     <a:ea typeface="Times New Roman" panose="02020603050405020304" pitchFamily="18" charset="0"/>
@@ -8809,7 +8815,7 @@
                     </m:oMathParaPr>
                     <m:oMath xmlns:m="http://schemas.openxmlformats.org/officeDocument/2006/math">
                       <m:r>
-                        <a:rPr lang="vi-VN" sz="1400" i="1">
+                        <a:rPr lang="vi-VN" i="1">
                           <a:effectLst/>
                           <a:latin typeface="Cambria Math" panose="02040503050406030204" pitchFamily="18" charset="0"/>
                           <a:ea typeface="Times New Roman" panose="02020603050405020304" pitchFamily="18" charset="0"/>
@@ -8817,7 +8823,7 @@
                         <m:t>𝑀𝐴𝑃𝐸</m:t>
                       </m:r>
                       <m:r>
-                        <a:rPr lang="vi-VN" sz="1400" i="1">
+                        <a:rPr lang="vi-VN" i="1">
                           <a:effectLst/>
                           <a:latin typeface="Cambria Math" panose="02040503050406030204" pitchFamily="18" charset="0"/>
                           <a:ea typeface="Times New Roman" panose="02020603050405020304" pitchFamily="18" charset="0"/>
@@ -8827,7 +8833,7 @@
                       <m:f>
                         <m:fPr>
                           <m:ctrlPr>
-                            <a:rPr lang="vi-VN" sz="1400" i="1">
+                            <a:rPr lang="vi-VN" i="1">
                               <a:effectLst/>
                               <a:latin typeface="Cambria Math" panose="02040503050406030204" pitchFamily="18" charset="0"/>
                               <a:ea typeface="Times New Roman" panose="02020603050405020304" pitchFamily="18" charset="0"/>
@@ -8836,7 +8842,7 @@
                         </m:fPr>
                         <m:num>
                           <m:r>
-                            <a:rPr lang="vi-VN" sz="1400" i="1">
+                            <a:rPr lang="vi-VN" i="1">
                               <a:effectLst/>
                               <a:latin typeface="Cambria Math" panose="02040503050406030204" pitchFamily="18" charset="0"/>
                               <a:ea typeface="Times New Roman" panose="02020603050405020304" pitchFamily="18" charset="0"/>
@@ -8846,7 +8852,7 @@
                         </m:num>
                         <m:den>
                           <m:r>
-                            <a:rPr lang="vi-VN" sz="1400" i="1">
+                            <a:rPr lang="vi-VN" i="1">
                               <a:effectLst/>
                               <a:latin typeface="Cambria Math" panose="02040503050406030204" pitchFamily="18" charset="0"/>
                               <a:ea typeface="Times New Roman" panose="02020603050405020304" pitchFamily="18" charset="0"/>
@@ -8859,7 +8865,7 @@
                         <m:naryPr>
                           <m:chr m:val="∑"/>
                           <m:ctrlPr>
-                            <a:rPr lang="vi-VN" sz="1400" i="1">
+                            <a:rPr lang="vi-VN" i="1">
                               <a:effectLst/>
                               <a:latin typeface="Cambria Math" panose="02040503050406030204" pitchFamily="18" charset="0"/>
                               <a:ea typeface="Times New Roman" panose="02020603050405020304" pitchFamily="18" charset="0"/>
@@ -8868,7 +8874,7 @@
                         </m:naryPr>
                         <m:sub>
                           <m:r>
-                            <a:rPr lang="vi-VN" sz="1400" i="1">
+                            <a:rPr lang="vi-VN" i="1">
                               <a:effectLst/>
                               <a:latin typeface="Cambria Math" panose="02040503050406030204" pitchFamily="18" charset="0"/>
                               <a:ea typeface="Times New Roman" panose="02020603050405020304" pitchFamily="18" charset="0"/>
@@ -8876,7 +8882,7 @@
                             <m:t>𝑖</m:t>
                           </m:r>
                           <m:r>
-                            <a:rPr lang="vi-VN" sz="1400" i="1">
+                            <a:rPr lang="vi-VN" i="1">
                               <a:effectLst/>
                               <a:latin typeface="Cambria Math" panose="02040503050406030204" pitchFamily="18" charset="0"/>
                               <a:ea typeface="Times New Roman" panose="02020603050405020304" pitchFamily="18" charset="0"/>
@@ -8886,7 +8892,7 @@
                         </m:sub>
                         <m:sup>
                           <m:r>
-                            <a:rPr lang="vi-VN" sz="1400" i="1">
+                            <a:rPr lang="vi-VN" i="1">
                               <a:effectLst/>
                               <a:latin typeface="Cambria Math" panose="02040503050406030204" pitchFamily="18" charset="0"/>
                               <a:ea typeface="Times New Roman" panose="02020603050405020304" pitchFamily="18" charset="0"/>
@@ -8900,7 +8906,7 @@
                               <m:begChr m:val="|"/>
                               <m:endChr m:val="|"/>
                               <m:ctrlPr>
-                                <a:rPr lang="vi-VN" sz="1400" i="1">
+                                <a:rPr lang="vi-VN" i="1">
                                   <a:effectLst/>
                                   <a:latin typeface="Cambria Math" panose="02040503050406030204" pitchFamily="18" charset="0"/>
                                   <a:ea typeface="Times New Roman" panose="02020603050405020304" pitchFamily="18" charset="0"/>
@@ -8911,7 +8917,7 @@
                               <m:f>
                                 <m:fPr>
                                   <m:ctrlPr>
-                                    <a:rPr lang="vi-VN" sz="1400" i="1">
+                                    <a:rPr lang="vi-VN" i="1">
                                       <a:effectLst/>
                                       <a:latin typeface="Cambria Math" panose="02040503050406030204" pitchFamily="18" charset="0"/>
                                       <a:ea typeface="Times New Roman" panose="02020603050405020304" pitchFamily="18" charset="0"/>
@@ -8922,7 +8928,7 @@
                                   <m:sSub>
                                     <m:sSubPr>
                                       <m:ctrlPr>
-                                        <a:rPr lang="vi-VN" sz="1400" i="1">
+                                        <a:rPr lang="vi-VN" i="1">
                                           <a:effectLst/>
                                           <a:latin typeface="Cambria Math" panose="02040503050406030204" pitchFamily="18" charset="0"/>
                                           <a:ea typeface="Times New Roman" panose="02020603050405020304" pitchFamily="18" charset="0"/>
@@ -8931,7 +8937,7 @@
                                     </m:sSubPr>
                                     <m:e>
                                       <m:r>
-                                        <a:rPr lang="vi-VN" sz="1400" i="1">
+                                        <a:rPr lang="vi-VN" i="1">
                                           <a:effectLst/>
                                           <a:latin typeface="Cambria Math" panose="02040503050406030204" pitchFamily="18" charset="0"/>
                                           <a:ea typeface="Times New Roman" panose="02020603050405020304" pitchFamily="18" charset="0"/>
@@ -8941,7 +8947,7 @@
                                     </m:e>
                                     <m:sub>
                                       <m:r>
-                                        <a:rPr lang="vi-VN" sz="1400" i="1">
+                                        <a:rPr lang="vi-VN" i="1">
                                           <a:effectLst/>
                                           <a:latin typeface="Cambria Math" panose="02040503050406030204" pitchFamily="18" charset="0"/>
                                           <a:ea typeface="Times New Roman" panose="02020603050405020304" pitchFamily="18" charset="0"/>
@@ -8951,7 +8957,7 @@
                                     </m:sub>
                                   </m:sSub>
                                   <m:r>
-                                    <a:rPr lang="vi-VN" sz="1400" i="1">
+                                    <a:rPr lang="vi-VN" i="1">
                                       <a:effectLst/>
                                       <a:latin typeface="Cambria Math" panose="02040503050406030204" pitchFamily="18" charset="0"/>
                                       <a:ea typeface="Times New Roman" panose="02020603050405020304" pitchFamily="18" charset="0"/>
@@ -8962,7 +8968,7 @@
                                     <m:accPr>
                                       <m:chr m:val="̂"/>
                                       <m:ctrlPr>
-                                        <a:rPr lang="vi-VN" sz="1400" i="1">
+                                        <a:rPr lang="vi-VN" i="1">
                                           <a:effectLst/>
                                           <a:latin typeface="Cambria Math" panose="02040503050406030204" pitchFamily="18" charset="0"/>
                                           <a:ea typeface="Times New Roman" panose="02020603050405020304" pitchFamily="18" charset="0"/>
@@ -8973,7 +8979,7 @@
                                       <m:sSub>
                                         <m:sSubPr>
                                           <m:ctrlPr>
-                                            <a:rPr lang="vi-VN" sz="1400" i="1">
+                                            <a:rPr lang="vi-VN" i="1">
                                               <a:effectLst/>
                                               <a:latin typeface="Cambria Math" panose="02040503050406030204" pitchFamily="18" charset="0"/>
                                               <a:ea typeface="Times New Roman" panose="02020603050405020304" pitchFamily="18" charset="0"/>
@@ -8982,7 +8988,7 @@
                                         </m:sSubPr>
                                         <m:e>
                                           <m:r>
-                                            <a:rPr lang="vi-VN" sz="1400" i="1">
+                                            <a:rPr lang="vi-VN" i="1">
                                               <a:effectLst/>
                                               <a:latin typeface="Cambria Math" panose="02040503050406030204" pitchFamily="18" charset="0"/>
                                               <a:ea typeface="Times New Roman" panose="02020603050405020304" pitchFamily="18" charset="0"/>
@@ -8992,7 +8998,7 @@
                                         </m:e>
                                         <m:sub>
                                           <m:r>
-                                            <a:rPr lang="vi-VN" sz="1400" i="1">
+                                            <a:rPr lang="vi-VN" i="1">
                                               <a:effectLst/>
                                               <a:latin typeface="Cambria Math" panose="02040503050406030204" pitchFamily="18" charset="0"/>
                                               <a:ea typeface="Times New Roman" panose="02020603050405020304" pitchFamily="18" charset="0"/>
@@ -9008,7 +9014,7 @@
                                   <m:sSub>
                                     <m:sSubPr>
                                       <m:ctrlPr>
-                                        <a:rPr lang="vi-VN" sz="1400" i="1">
+                                        <a:rPr lang="vi-VN" i="1">
                                           <a:effectLst/>
                                           <a:latin typeface="Cambria Math" panose="02040503050406030204" pitchFamily="18" charset="0"/>
                                           <a:ea typeface="Times New Roman" panose="02020603050405020304" pitchFamily="18" charset="0"/>
@@ -9017,7 +9023,7 @@
                                     </m:sSubPr>
                                     <m:e>
                                       <m:r>
-                                        <a:rPr lang="vi-VN" sz="1400" i="1">
+                                        <a:rPr lang="vi-VN" i="1">
                                           <a:effectLst/>
                                           <a:latin typeface="Cambria Math" panose="02040503050406030204" pitchFamily="18" charset="0"/>
                                           <a:ea typeface="Times New Roman" panose="02020603050405020304" pitchFamily="18" charset="0"/>
@@ -9027,7 +9033,7 @@
                                     </m:e>
                                     <m:sub>
                                       <m:r>
-                                        <a:rPr lang="vi-VN" sz="1400" i="1">
+                                        <a:rPr lang="vi-VN" i="1">
                                           <a:effectLst/>
                                           <a:latin typeface="Cambria Math" panose="02040503050406030204" pitchFamily="18" charset="0"/>
                                           <a:ea typeface="Times New Roman" panose="02020603050405020304" pitchFamily="18" charset="0"/>
@@ -9045,7 +9051,7 @@
                     </m:oMath>
                   </m:oMathPara>
                 </a14:m>
-                <a:endParaRPr lang="vi-VN" sz="1400" dirty="0">
+                <a:endParaRPr lang="vi-VN" dirty="0">
                   <a:effectLst/>
                   <a:latin typeface="Palatino Linotype" panose="02040502050505030304" pitchFamily="18" charset="0"/>
                   <a:ea typeface="Times New Roman" panose="02020603050405020304" pitchFamily="18" charset="0"/>
@@ -9058,7 +9064,7 @@
                   </a:lnSpc>
                 </a:pPr>
                 <a:r>
-                  <a:rPr lang="vi-VN" sz="1400" dirty="0">
+                  <a:rPr lang="vi-VN" dirty="0">
                     <a:effectLst/>
                     <a:latin typeface="Palatino Linotype" panose="02040502050505030304" pitchFamily="18" charset="0"/>
                     <a:ea typeface="Times New Roman" panose="02020603050405020304" pitchFamily="18" charset="0"/>
@@ -9086,8 +9092,8 @@
             </p:nvSpPr>
             <p:spPr>
               <a:xfrm>
-                <a:off x="2845837" y="2769374"/>
-                <a:ext cx="6102220" cy="2260683"/>
+                <a:off x="1428163" y="2480125"/>
+                <a:ext cx="9833885" cy="2880340"/>
               </a:xfrm>
               <a:prstGeom prst="rect">
                 <a:avLst/>
@@ -9095,7 +9101,7 @@
               <a:blipFill>
                 <a:blip r:embed="rId2"/>
                 <a:stretch>
-                  <a:fillRect r="-300" b="-2156"/>
+                  <a:fillRect r="-558" b="-2542"/>
                 </a:stretch>
               </a:blipFill>
             </p:spPr>
@@ -9182,121 +9188,6 @@
           </a:p>
         </p:txBody>
       </p:sp>
-      <p:sp>
-        <p:nvSpPr>
-          <p:cNvPr id="3" name="Content Placeholder 2">
-            <a:extLst>
-              <a:ext uri="{FF2B5EF4-FFF2-40B4-BE49-F238E27FC236}">
-                <a16:creationId xmlns:a16="http://schemas.microsoft.com/office/drawing/2014/main" id="{AE3B3F0A-543B-C65C-1039-A8772A1D2C53}"/>
-              </a:ext>
-            </a:extLst>
-          </p:cNvPr>
-          <p:cNvSpPr>
-            <a:spLocks noGrp="1"/>
-          </p:cNvSpPr>
-          <p:nvPr>
-            <p:ph idx="1"/>
-          </p:nvPr>
-        </p:nvSpPr>
-        <p:spPr>
-          <a:xfrm>
-            <a:off x="1428164" y="1703693"/>
-            <a:ext cx="9520158" cy="3450613"/>
-          </a:xfrm>
-        </p:spPr>
-        <p:txBody>
-          <a:bodyPr>
-            <a:normAutofit/>
-          </a:bodyPr>
-          <a:lstStyle/>
-          <a:p>
-            <a:pPr marL="0" indent="0">
-              <a:buNone/>
-            </a:pPr>
-            <a:r>
-              <a:rPr lang="en-US" sz="2400" dirty="0" err="1">
-                <a:latin typeface="+mj-lt"/>
-              </a:rPr>
-              <a:t>Phương</a:t>
-            </a:r>
-            <a:r>
-              <a:rPr lang="en-US" sz="2400" dirty="0">
-                <a:latin typeface="+mj-lt"/>
-              </a:rPr>
-              <a:t> </a:t>
-            </a:r>
-            <a:r>
-              <a:rPr lang="en-US" sz="2400" dirty="0" err="1">
-                <a:latin typeface="+mj-lt"/>
-              </a:rPr>
-              <a:t>pháp</a:t>
-            </a:r>
-            <a:r>
-              <a:rPr lang="en-US" sz="2400" dirty="0">
-                <a:latin typeface="+mj-lt"/>
-              </a:rPr>
-              <a:t> </a:t>
-            </a:r>
-            <a:r>
-              <a:rPr lang="en-US" sz="2400" dirty="0" err="1">
-                <a:latin typeface="+mj-lt"/>
-              </a:rPr>
-              <a:t>huấn</a:t>
-            </a:r>
-            <a:r>
-              <a:rPr lang="en-US" sz="2400" dirty="0">
-                <a:latin typeface="+mj-lt"/>
-              </a:rPr>
-              <a:t> </a:t>
-            </a:r>
-            <a:r>
-              <a:rPr lang="en-US" sz="2400" dirty="0" err="1">
-                <a:latin typeface="+mj-lt"/>
-              </a:rPr>
-              <a:t>luyện</a:t>
-            </a:r>
-            <a:r>
-              <a:rPr lang="en-US" sz="2400" dirty="0">
-                <a:latin typeface="+mj-lt"/>
-              </a:rPr>
-              <a:t> </a:t>
-            </a:r>
-            <a:r>
-              <a:rPr lang="en-US" sz="2400" dirty="0" err="1">
-                <a:latin typeface="+mj-lt"/>
-              </a:rPr>
-              <a:t>và</a:t>
-            </a:r>
-            <a:r>
-              <a:rPr lang="en-US" sz="2400" dirty="0">
-                <a:latin typeface="+mj-lt"/>
-              </a:rPr>
-              <a:t> </a:t>
-            </a:r>
-            <a:r>
-              <a:rPr lang="en-US" sz="2400" dirty="0" err="1">
-                <a:latin typeface="+mj-lt"/>
-              </a:rPr>
-              <a:t>đánh</a:t>
-            </a:r>
-            <a:r>
-              <a:rPr lang="en-US" sz="2400" dirty="0">
-                <a:latin typeface="+mj-lt"/>
-              </a:rPr>
-              <a:t> </a:t>
-            </a:r>
-            <a:r>
-              <a:rPr lang="en-US" sz="2400" dirty="0" err="1">
-                <a:latin typeface="+mj-lt"/>
-              </a:rPr>
-              <a:t>giá</a:t>
-            </a:r>
-            <a:endParaRPr lang="en-US" sz="2400" dirty="0">
-              <a:latin typeface="+mj-lt"/>
-            </a:endParaRPr>
-          </a:p>
-        </p:txBody>
-      </p:sp>
       <mc:AlternateContent xmlns:mc="http://schemas.openxmlformats.org/markup-compatibility/2006">
         <mc:Choice xmlns:a14="http://schemas.microsoft.com/office/drawing/2010/main" Requires="a14">
           <p:sp>
@@ -9313,8 +9204,8 @@
             </p:nvSpPr>
             <p:spPr>
               <a:xfrm>
-                <a:off x="3137133" y="2434750"/>
-                <a:ext cx="6102220" cy="3578095"/>
+                <a:off x="1390552" y="1801535"/>
+                <a:ext cx="9595382" cy="4158511"/>
               </a:xfrm>
               <a:prstGeom prst="rect">
                 <a:avLst/>
@@ -9336,7 +9227,7 @@
                   <a:buChar char="-"/>
                 </a:pPr>
                 <a:r>
-                  <a:rPr lang="vi-VN" sz="1400" dirty="0">
+                  <a:rPr lang="vi-VN" dirty="0">
                     <a:effectLst/>
                     <a:latin typeface="Palatino Linotype" panose="02040502050505030304" pitchFamily="18" charset="0"/>
                     <a:ea typeface="Times New Roman" panose="02020603050405020304" pitchFamily="18" charset="0"/>
@@ -9357,7 +9248,7 @@
                     </m:oMathParaPr>
                     <m:oMath xmlns:m="http://schemas.openxmlformats.org/officeDocument/2006/math">
                       <m:r>
-                        <a:rPr lang="vi-VN" sz="1400" i="1">
+                        <a:rPr lang="vi-VN" i="1">
                           <a:effectLst/>
                           <a:latin typeface="Cambria Math" panose="02040503050406030204" pitchFamily="18" charset="0"/>
                           <a:ea typeface="Times New Roman" panose="02020603050405020304" pitchFamily="18" charset="0"/>
@@ -9365,7 +9256,7 @@
                         <m:t>𝑅𝑀𝑆𝐸</m:t>
                       </m:r>
                       <m:r>
-                        <a:rPr lang="vi-VN" sz="1400" i="1">
+                        <a:rPr lang="vi-VN" i="1">
                           <a:effectLst/>
                           <a:latin typeface="Cambria Math" panose="02040503050406030204" pitchFamily="18" charset="0"/>
                           <a:ea typeface="Times New Roman" panose="02020603050405020304" pitchFamily="18" charset="0"/>
@@ -9376,7 +9267,7 @@
                         <m:radPr>
                           <m:degHide m:val="on"/>
                           <m:ctrlPr>
-                            <a:rPr lang="vi-VN" sz="1400" i="1">
+                            <a:rPr lang="vi-VN" i="1">
                               <a:effectLst/>
                               <a:latin typeface="Cambria Math" panose="02040503050406030204" pitchFamily="18" charset="0"/>
                               <a:ea typeface="Times New Roman" panose="02020603050405020304" pitchFamily="18" charset="0"/>
@@ -9389,7 +9280,7 @@
                             <m:rPr>
                               <m:sty m:val="p"/>
                             </m:rPr>
-                            <a:rPr lang="vi-VN" sz="1400">
+                            <a:rPr lang="vi-VN">
                               <a:effectLst/>
                               <a:latin typeface="Cambria Math" panose="02040503050406030204" pitchFamily="18" charset="0"/>
                               <a:ea typeface="Times New Roman" panose="02020603050405020304" pitchFamily="18" charset="0"/>
@@ -9399,7 +9290,7 @@
                         </m:e>
                       </m:rad>
                       <m:r>
-                        <a:rPr lang="vi-VN" sz="1400" i="1">
+                        <a:rPr lang="vi-VN" i="1">
                           <a:effectLst/>
                           <a:latin typeface="Cambria Math" panose="02040503050406030204" pitchFamily="18" charset="0"/>
                           <a:ea typeface="Times New Roman" panose="02020603050405020304" pitchFamily="18" charset="0"/>
@@ -9410,7 +9301,7 @@
                         <m:radPr>
                           <m:degHide m:val="on"/>
                           <m:ctrlPr>
-                            <a:rPr lang="vi-VN" sz="1400" i="1">
+                            <a:rPr lang="vi-VN" i="1">
                               <a:effectLst/>
                               <a:latin typeface="Cambria Math" panose="02040503050406030204" pitchFamily="18" charset="0"/>
                               <a:ea typeface="Times New Roman" panose="02020603050405020304" pitchFamily="18" charset="0"/>
@@ -9422,7 +9313,7 @@
                           <m:f>
                             <m:fPr>
                               <m:ctrlPr>
-                                <a:rPr lang="vi-VN" sz="1400" i="1">
+                                <a:rPr lang="vi-VN" i="1">
                                   <a:effectLst/>
                                   <a:latin typeface="Cambria Math" panose="02040503050406030204" pitchFamily="18" charset="0"/>
                                   <a:ea typeface="Times New Roman" panose="02020603050405020304" pitchFamily="18" charset="0"/>
@@ -9431,7 +9322,7 @@
                             </m:fPr>
                             <m:num>
                               <m:r>
-                                <a:rPr lang="vi-VN" sz="1400" i="1">
+                                <a:rPr lang="vi-VN" i="1">
                                   <a:effectLst/>
                                   <a:latin typeface="Cambria Math" panose="02040503050406030204" pitchFamily="18" charset="0"/>
                                   <a:ea typeface="Times New Roman" panose="02020603050405020304" pitchFamily="18" charset="0"/>
@@ -9441,7 +9332,7 @@
                             </m:num>
                             <m:den>
                               <m:r>
-                                <a:rPr lang="vi-VN" sz="1400" i="1">
+                                <a:rPr lang="vi-VN" i="1">
                                   <a:effectLst/>
                                   <a:latin typeface="Cambria Math" panose="02040503050406030204" pitchFamily="18" charset="0"/>
                                   <a:ea typeface="Times New Roman" panose="02020603050405020304" pitchFamily="18" charset="0"/>
@@ -9454,7 +9345,7 @@
                             <m:naryPr>
                               <m:chr m:val="∑"/>
                               <m:ctrlPr>
-                                <a:rPr lang="vi-VN" sz="1400" i="1">
+                                <a:rPr lang="vi-VN" i="1">
                                   <a:effectLst/>
                                   <a:latin typeface="Cambria Math" panose="02040503050406030204" pitchFamily="18" charset="0"/>
                                   <a:ea typeface="Times New Roman" panose="02020603050405020304" pitchFamily="18" charset="0"/>
@@ -9463,7 +9354,7 @@
                             </m:naryPr>
                             <m:sub>
                               <m:r>
-                                <a:rPr lang="vi-VN" sz="1400" i="1">
+                                <a:rPr lang="vi-VN" i="1">
                                   <a:effectLst/>
                                   <a:latin typeface="Cambria Math" panose="02040503050406030204" pitchFamily="18" charset="0"/>
                                   <a:ea typeface="Times New Roman" panose="02020603050405020304" pitchFamily="18" charset="0"/>
@@ -9471,7 +9362,7 @@
                                 <m:t>𝑖</m:t>
                               </m:r>
                               <m:r>
-                                <a:rPr lang="vi-VN" sz="1400" i="1">
+                                <a:rPr lang="vi-VN" i="1">
                                   <a:effectLst/>
                                   <a:latin typeface="Cambria Math" panose="02040503050406030204" pitchFamily="18" charset="0"/>
                                   <a:ea typeface="Times New Roman" panose="02020603050405020304" pitchFamily="18" charset="0"/>
@@ -9481,7 +9372,7 @@
                             </m:sub>
                             <m:sup>
                               <m:r>
-                                <a:rPr lang="vi-VN" sz="1400" i="1">
+                                <a:rPr lang="vi-VN" i="1">
                                   <a:effectLst/>
                                   <a:latin typeface="Cambria Math" panose="02040503050406030204" pitchFamily="18" charset="0"/>
                                   <a:ea typeface="Times New Roman" panose="02020603050405020304" pitchFamily="18" charset="0"/>
@@ -9493,7 +9384,7 @@
                               <m:sSup>
                                 <m:sSupPr>
                                   <m:ctrlPr>
-                                    <a:rPr lang="vi-VN" sz="1400" i="1">
+                                    <a:rPr lang="vi-VN" i="1">
                                       <a:effectLst/>
                                       <a:latin typeface="Cambria Math" panose="02040503050406030204" pitchFamily="18" charset="0"/>
                                       <a:ea typeface="Times New Roman" panose="02020603050405020304" pitchFamily="18" charset="0"/>
@@ -9504,7 +9395,7 @@
                                   <m:d>
                                     <m:dPr>
                                       <m:ctrlPr>
-                                        <a:rPr lang="vi-VN" sz="1400" i="1">
+                                        <a:rPr lang="vi-VN" i="1">
                                           <a:effectLst/>
                                           <a:latin typeface="Cambria Math" panose="02040503050406030204" pitchFamily="18" charset="0"/>
                                           <a:ea typeface="Times New Roman" panose="02020603050405020304" pitchFamily="18" charset="0"/>
@@ -9515,7 +9406,7 @@
                                       <m:sSub>
                                         <m:sSubPr>
                                           <m:ctrlPr>
-                                            <a:rPr lang="vi-VN" sz="1400" i="1">
+                                            <a:rPr lang="vi-VN" i="1">
                                               <a:effectLst/>
                                               <a:latin typeface="Cambria Math" panose="02040503050406030204" pitchFamily="18" charset="0"/>
                                               <a:ea typeface="Times New Roman" panose="02020603050405020304" pitchFamily="18" charset="0"/>
@@ -9524,7 +9415,7 @@
                                         </m:sSubPr>
                                         <m:e>
                                           <m:r>
-                                            <a:rPr lang="vi-VN" sz="1400" i="1">
+                                            <a:rPr lang="vi-VN" i="1">
                                               <a:effectLst/>
                                               <a:latin typeface="Cambria Math" panose="02040503050406030204" pitchFamily="18" charset="0"/>
                                               <a:ea typeface="Times New Roman" panose="02020603050405020304" pitchFamily="18" charset="0"/>
@@ -9534,7 +9425,7 @@
                                         </m:e>
                                         <m:sub>
                                           <m:r>
-                                            <a:rPr lang="vi-VN" sz="1400" i="1">
+                                            <a:rPr lang="vi-VN" i="1">
                                               <a:effectLst/>
                                               <a:latin typeface="Cambria Math" panose="02040503050406030204" pitchFamily="18" charset="0"/>
                                               <a:ea typeface="Times New Roman" panose="02020603050405020304" pitchFamily="18" charset="0"/>
@@ -9544,7 +9435,7 @@
                                         </m:sub>
                                       </m:sSub>
                                       <m:r>
-                                        <a:rPr lang="vi-VN" sz="1400" i="1">
+                                        <a:rPr lang="vi-VN" i="1">
                                           <a:effectLst/>
                                           <a:latin typeface="Cambria Math" panose="02040503050406030204" pitchFamily="18" charset="0"/>
                                           <a:ea typeface="Times New Roman" panose="02020603050405020304" pitchFamily="18" charset="0"/>
@@ -9555,7 +9446,7 @@
                                         <m:accPr>
                                           <m:chr m:val="̂"/>
                                           <m:ctrlPr>
-                                            <a:rPr lang="vi-VN" sz="1400" i="1">
+                                            <a:rPr lang="vi-VN" i="1">
                                               <a:effectLst/>
                                               <a:latin typeface="Cambria Math" panose="02040503050406030204" pitchFamily="18" charset="0"/>
                                               <a:ea typeface="Times New Roman" panose="02020603050405020304" pitchFamily="18" charset="0"/>
@@ -9566,7 +9457,7 @@
                                           <m:sSub>
                                             <m:sSubPr>
                                               <m:ctrlPr>
-                                                <a:rPr lang="vi-VN" sz="1400" i="1">
+                                                <a:rPr lang="vi-VN" i="1">
                                                   <a:effectLst/>
                                                   <a:latin typeface="Cambria Math" panose="02040503050406030204" pitchFamily="18" charset="0"/>
                                                   <a:ea typeface="Times New Roman" panose="02020603050405020304" pitchFamily="18" charset="0"/>
@@ -9575,7 +9466,7 @@
                                             </m:sSubPr>
                                             <m:e>
                                               <m:r>
-                                                <a:rPr lang="vi-VN" sz="1400" i="1">
+                                                <a:rPr lang="vi-VN" i="1">
                                                   <a:effectLst/>
                                                   <a:latin typeface="Cambria Math" panose="02040503050406030204" pitchFamily="18" charset="0"/>
                                                   <a:ea typeface="Times New Roman" panose="02020603050405020304" pitchFamily="18" charset="0"/>
@@ -9585,7 +9476,7 @@
                                             </m:e>
                                             <m:sub>
                                               <m:r>
-                                                <a:rPr lang="vi-VN" sz="1400" i="1">
+                                                <a:rPr lang="vi-VN" i="1">
                                                   <a:effectLst/>
                                                   <a:latin typeface="Cambria Math" panose="02040503050406030204" pitchFamily="18" charset="0"/>
                                                   <a:ea typeface="Times New Roman" panose="02020603050405020304" pitchFamily="18" charset="0"/>
@@ -9601,7 +9492,7 @@
                                 </m:e>
                                 <m:sup>
                                   <m:r>
-                                    <a:rPr lang="vi-VN" sz="1400" i="1">
+                                    <a:rPr lang="vi-VN" i="1">
                                       <a:effectLst/>
                                       <a:latin typeface="Cambria Math" panose="02040503050406030204" pitchFamily="18" charset="0"/>
                                       <a:ea typeface="Times New Roman" panose="02020603050405020304" pitchFamily="18" charset="0"/>
@@ -9617,7 +9508,7 @@
                     </m:oMath>
                   </m:oMathPara>
                 </a14:m>
-                <a:endParaRPr lang="vi-VN" sz="1400" dirty="0">
+                <a:endParaRPr lang="vi-VN" dirty="0">
                   <a:effectLst/>
                   <a:latin typeface="Palatino Linotype" panose="02040502050505030304" pitchFamily="18" charset="0"/>
                   <a:ea typeface="Times New Roman" panose="02020603050405020304" pitchFamily="18" charset="0"/>
@@ -9630,7 +9521,7 @@
                   </a:lnSpc>
                 </a:pPr>
                 <a:r>
-                  <a:rPr lang="vi-VN" sz="1400" dirty="0">
+                  <a:rPr lang="vi-VN" dirty="0">
                     <a:effectLst/>
                     <a:latin typeface="Palatino Linotype" panose="02040502050505030304" pitchFamily="18" charset="0"/>
                     <a:ea typeface="Times New Roman" panose="02020603050405020304" pitchFamily="18" charset="0"/>
@@ -9645,7 +9536,7 @@
                   </a:lnSpc>
                 </a:pPr>
                 <a:r>
-                  <a:rPr lang="vi-VN" sz="1400" dirty="0">
+                  <a:rPr lang="vi-VN" dirty="0">
                     <a:effectLst/>
                     <a:latin typeface="Palatino Linotype" panose="02040502050505030304" pitchFamily="18" charset="0"/>
                     <a:ea typeface="Times New Roman" panose="02020603050405020304" pitchFamily="18" charset="0"/>
@@ -9663,7 +9554,7 @@
                   <a:buChar char="-"/>
                 </a:pPr>
                 <a:r>
-                  <a:rPr lang="vi-VN" sz="1400" dirty="0">
+                  <a:rPr lang="vi-VN" dirty="0">
                     <a:effectLst/>
                     <a:latin typeface="Palatino Linotype" panose="02040502050505030304" pitchFamily="18" charset="0"/>
                     <a:ea typeface="Times New Roman" panose="02020603050405020304" pitchFamily="18" charset="0"/>
@@ -9685,7 +9576,7 @@
                     <m:sSub>
                       <m:sSubPr>
                         <m:ctrlPr>
-                          <a:rPr lang="vi-VN" sz="1400" i="1">
+                          <a:rPr lang="vi-VN" i="1">
                             <a:effectLst/>
                             <a:latin typeface="Cambria Math" panose="02040503050406030204" pitchFamily="18" charset="0"/>
                             <a:ea typeface="Times New Roman" panose="02020603050405020304" pitchFamily="18" charset="0"/>
@@ -9694,7 +9585,7 @@
                       </m:sSubPr>
                       <m:e>
                         <m:r>
-                          <a:rPr lang="vi-VN" sz="1400" i="1">
+                          <a:rPr lang="vi-VN" i="1">
                             <a:effectLst/>
                             <a:latin typeface="Cambria Math" panose="02040503050406030204" pitchFamily="18" charset="0"/>
                             <a:ea typeface="Times New Roman" panose="02020603050405020304" pitchFamily="18" charset="0"/>
@@ -9704,7 +9595,7 @@
                       </m:e>
                       <m:sub>
                         <m:r>
-                          <a:rPr lang="vi-VN" sz="1400" i="1">
+                          <a:rPr lang="vi-VN" i="1">
                             <a:effectLst/>
                             <a:latin typeface="Cambria Math" panose="02040503050406030204" pitchFamily="18" charset="0"/>
                             <a:ea typeface="Times New Roman" panose="02020603050405020304" pitchFamily="18" charset="0"/>
@@ -9716,7 +9607,7 @@
                   </m:oMath>
                 </a14:m>
                 <a:r>
-                  <a:rPr lang="vi-VN" sz="1400" dirty="0">
+                  <a:rPr lang="vi-VN" dirty="0">
                     <a:effectLst/>
                     <a:latin typeface="Palatino Linotype" panose="02040502050505030304" pitchFamily="18" charset="0"/>
                     <a:ea typeface="Times New Roman" panose="02020603050405020304" pitchFamily="18" charset="0"/>
@@ -9739,7 +9630,7 @@
                       <m:accPr>
                         <m:chr m:val="̂"/>
                         <m:ctrlPr>
-                          <a:rPr lang="vi-VN" sz="1400" i="1">
+                          <a:rPr lang="vi-VN" i="1">
                             <a:effectLst/>
                             <a:latin typeface="Cambria Math" panose="02040503050406030204" pitchFamily="18" charset="0"/>
                             <a:ea typeface="Times New Roman" panose="02020603050405020304" pitchFamily="18" charset="0"/>
@@ -9750,7 +9641,7 @@
                         <m:sSub>
                           <m:sSubPr>
                             <m:ctrlPr>
-                              <a:rPr lang="vi-VN" sz="1400" i="1">
+                              <a:rPr lang="vi-VN" i="1">
                                 <a:effectLst/>
                                 <a:latin typeface="Cambria Math" panose="02040503050406030204" pitchFamily="18" charset="0"/>
                                 <a:ea typeface="Times New Roman" panose="02020603050405020304" pitchFamily="18" charset="0"/>
@@ -9759,7 +9650,7 @@
                           </m:sSubPr>
                           <m:e>
                             <m:r>
-                              <a:rPr lang="vi-VN" sz="1400" i="1">
+                              <a:rPr lang="vi-VN" i="1">
                                 <a:effectLst/>
                                 <a:latin typeface="Cambria Math" panose="02040503050406030204" pitchFamily="18" charset="0"/>
                                 <a:ea typeface="Times New Roman" panose="02020603050405020304" pitchFamily="18" charset="0"/>
@@ -9769,7 +9660,7 @@
                           </m:e>
                           <m:sub>
                             <m:r>
-                              <a:rPr lang="vi-VN" sz="1400" i="1">
+                              <a:rPr lang="vi-VN" i="1">
                                 <a:effectLst/>
                                 <a:latin typeface="Cambria Math" panose="02040503050406030204" pitchFamily="18" charset="0"/>
                                 <a:ea typeface="Times New Roman" panose="02020603050405020304" pitchFamily="18" charset="0"/>
@@ -9783,7 +9674,7 @@
                   </m:oMath>
                 </a14:m>
                 <a:r>
-                  <a:rPr lang="vi-VN" sz="1400" dirty="0">
+                  <a:rPr lang="vi-VN" dirty="0">
                     <a:effectLst/>
                     <a:latin typeface="Palatino Linotype" panose="02040502050505030304" pitchFamily="18" charset="0"/>
                     <a:ea typeface="Times New Roman" panose="02020603050405020304" pitchFamily="18" charset="0"/>
@@ -9811,8 +9702,8 @@
             </p:nvSpPr>
             <p:spPr>
               <a:xfrm>
-                <a:off x="3137133" y="2434750"/>
-                <a:ext cx="6102220" cy="3578095"/>
+                <a:off x="1390552" y="1801535"/>
+                <a:ext cx="9595382" cy="4158511"/>
               </a:xfrm>
               <a:prstGeom prst="rect">
                 <a:avLst/>
@@ -9820,7 +9711,7 @@
               <a:blipFill>
                 <a:blip r:embed="rId2"/>
                 <a:stretch>
-                  <a:fillRect r="-300" b="-1022"/>
+                  <a:fillRect b="-1466"/>
                 </a:stretch>
               </a:blipFill>
             </p:spPr>
@@ -10479,7 +10370,7 @@
         <p:spPr/>
         <p:txBody>
           <a:bodyPr>
-            <a:normAutofit/>
+            <a:normAutofit fontScale="77500" lnSpcReduction="20000"/>
           </a:bodyPr>
           <a:lstStyle/>
           <a:p>
@@ -10599,6 +10490,154 @@
               <a:rPr lang="en-US" sz="2400" dirty="0"/>
               <a:t> TPHCM</a:t>
             </a:r>
+          </a:p>
+          <a:p>
+            <a:pPr marL="0" indent="0">
+              <a:buNone/>
+            </a:pPr>
+            <a:r>
+              <a:rPr lang="vi-VN" sz="2400" dirty="0">
+                <a:latin typeface="Palatino Linotype" panose="02040502050505030304" pitchFamily="18" charset="0"/>
+              </a:rPr>
+              <a:t>Dữ liệu thô chứa 52.549 bản ghi được thu thập trong khoảng thời gian từ giữa tháng 2 năm 2021 đến giữa tháng 6 năm 2022. Tập dữ liệu về chất lượng không khí bao gồm số liệu về bụi mịn PM2.5, tổng số lượng bụi lơ lửng (</a:t>
+            </a:r>
+            <a:r>
+              <a:rPr lang="vi-VN" sz="2400" dirty="0" err="1">
+                <a:latin typeface="Palatino Linotype" panose="02040502050505030304" pitchFamily="18" charset="0"/>
+              </a:rPr>
+              <a:t>Total</a:t>
+            </a:r>
+            <a:r>
+              <a:rPr lang="vi-VN" sz="2400" dirty="0">
+                <a:latin typeface="Palatino Linotype" panose="02040502050505030304" pitchFamily="18" charset="0"/>
+              </a:rPr>
+              <a:t> </a:t>
+            </a:r>
+            <a:r>
+              <a:rPr lang="vi-VN" sz="2400" dirty="0" err="1">
+                <a:latin typeface="Palatino Linotype" panose="02040502050505030304" pitchFamily="18" charset="0"/>
+              </a:rPr>
+              <a:t>Suspended</a:t>
+            </a:r>
+            <a:r>
+              <a:rPr lang="vi-VN" sz="2400" dirty="0">
+                <a:latin typeface="Palatino Linotype" panose="02040502050505030304" pitchFamily="18" charset="0"/>
+              </a:rPr>
+              <a:t> </a:t>
+            </a:r>
+            <a:r>
+              <a:rPr lang="vi-VN" sz="2400" dirty="0" err="1">
+                <a:latin typeface="Palatino Linotype" panose="02040502050505030304" pitchFamily="18" charset="0"/>
+              </a:rPr>
+              <a:t>Particulates</a:t>
+            </a:r>
+            <a:r>
+              <a:rPr lang="vi-VN" sz="2400" dirty="0">
+                <a:latin typeface="Palatino Linotype" panose="02040502050505030304" pitchFamily="18" charset="0"/>
+              </a:rPr>
+              <a:t> – TSP), </a:t>
+            </a:r>
+            <a:r>
+              <a:rPr lang="vi-VN" sz="2400" dirty="0" err="1">
+                <a:latin typeface="Palatino Linotype" panose="02040502050505030304" pitchFamily="18" charset="0"/>
+              </a:rPr>
+              <a:t>Sulphur</a:t>
+            </a:r>
+            <a:r>
+              <a:rPr lang="vi-VN" sz="2400" dirty="0">
+                <a:latin typeface="Palatino Linotype" panose="02040502050505030304" pitchFamily="18" charset="0"/>
+              </a:rPr>
+              <a:t> </a:t>
+            </a:r>
+            <a:r>
+              <a:rPr lang="vi-VN" sz="2400" dirty="0" err="1">
+                <a:latin typeface="Palatino Linotype" panose="02040502050505030304" pitchFamily="18" charset="0"/>
+              </a:rPr>
+              <a:t>dioxide</a:t>
+            </a:r>
+            <a:r>
+              <a:rPr lang="vi-VN" sz="2400" dirty="0">
+                <a:latin typeface="Palatino Linotype" panose="02040502050505030304" pitchFamily="18" charset="0"/>
+              </a:rPr>
+              <a:t> (SO2), </a:t>
+            </a:r>
+            <a:r>
+              <a:rPr lang="vi-VN" sz="2400" dirty="0" err="1">
+                <a:latin typeface="Palatino Linotype" panose="02040502050505030304" pitchFamily="18" charset="0"/>
+              </a:rPr>
+              <a:t>Ozone</a:t>
+            </a:r>
+            <a:r>
+              <a:rPr lang="vi-VN" sz="2400" dirty="0">
+                <a:latin typeface="Palatino Linotype" panose="02040502050505030304" pitchFamily="18" charset="0"/>
+              </a:rPr>
+              <a:t> (O3), </a:t>
+            </a:r>
+            <a:r>
+              <a:rPr lang="vi-VN" sz="2400" dirty="0" err="1">
+                <a:latin typeface="Palatino Linotype" panose="02040502050505030304" pitchFamily="18" charset="0"/>
+              </a:rPr>
+              <a:t>Nitrogen</a:t>
+            </a:r>
+            <a:r>
+              <a:rPr lang="vi-VN" sz="2400" dirty="0">
+                <a:latin typeface="Palatino Linotype" panose="02040502050505030304" pitchFamily="18" charset="0"/>
+              </a:rPr>
+              <a:t> </a:t>
+            </a:r>
+            <a:r>
+              <a:rPr lang="vi-VN" sz="2400" dirty="0" err="1">
+                <a:latin typeface="Palatino Linotype" panose="02040502050505030304" pitchFamily="18" charset="0"/>
+              </a:rPr>
+              <a:t>Dioxide</a:t>
+            </a:r>
+            <a:r>
+              <a:rPr lang="vi-VN" sz="2400" dirty="0">
+                <a:latin typeface="Palatino Linotype" panose="02040502050505030304" pitchFamily="18" charset="0"/>
+              </a:rPr>
+              <a:t> (NO2), </a:t>
+            </a:r>
+            <a:r>
+              <a:rPr lang="vi-VN" sz="2400" dirty="0" err="1">
+                <a:latin typeface="Palatino Linotype" panose="02040502050505030304" pitchFamily="18" charset="0"/>
+              </a:rPr>
+              <a:t>Carbon</a:t>
+            </a:r>
+            <a:r>
+              <a:rPr lang="vi-VN" sz="2400" dirty="0">
+                <a:latin typeface="Palatino Linotype" panose="02040502050505030304" pitchFamily="18" charset="0"/>
+              </a:rPr>
+              <a:t> </a:t>
+            </a:r>
+            <a:r>
+              <a:rPr lang="vi-VN" sz="2400" dirty="0" err="1">
+                <a:latin typeface="Palatino Linotype" panose="02040502050505030304" pitchFamily="18" charset="0"/>
+              </a:rPr>
+              <a:t>Monoxide</a:t>
+            </a:r>
+            <a:r>
+              <a:rPr lang="vi-VN" sz="2400" dirty="0">
+                <a:latin typeface="Palatino Linotype" panose="02040502050505030304" pitchFamily="18" charset="0"/>
+              </a:rPr>
+              <a:t> (CO) (đơn vị µg/m3) và hai thông số khí tượng là nhiệt độ (đơn vị °C) và độ ẩm (đơn vị %).</a:t>
+            </a:r>
+            <a:endParaRPr lang="en-US" sz="2400" dirty="0">
+              <a:latin typeface="Palatino Linotype" panose="02040502050505030304" pitchFamily="18" charset="0"/>
+            </a:endParaRPr>
+          </a:p>
+          <a:p>
+            <a:pPr marL="0" indent="0">
+              <a:buNone/>
+            </a:pPr>
+            <a:r>
+              <a:rPr lang="vi-VN" sz="2400" dirty="0">
+                <a:latin typeface="Palatino Linotype" panose="02040502050505030304" pitchFamily="18" charset="0"/>
+              </a:rPr>
+              <a:t>Tuy nhiên, đồ án này chỉ trích xuất số liệu về bụi mịn PM2.5 trên trạm số 1 làm tập dữ liệu để đáp ứng với phạm vi của đồ án là dữ liệu đơn biến. Do đó, biến bụi mịn PM2.5 cũng đồng thời là biến mục tiêu để dự đoán</a:t>
+            </a:r>
+            <a:endParaRPr lang="en-US" sz="2400" dirty="0">
+              <a:latin typeface="Palatino Linotype" panose="02040502050505030304" pitchFamily="18" charset="0"/>
+            </a:endParaRPr>
           </a:p>
           <a:p>
             <a:pPr>
@@ -10712,59 +10751,6 @@
             <a:normAutofit/>
           </a:bodyPr>
           <a:lstStyle/>
-          <a:p>
-            <a:pPr marL="0" indent="0">
-              <a:buNone/>
-            </a:pPr>
-            <a:r>
-              <a:rPr lang="en-US" sz="2400" dirty="0" err="1">
-                <a:latin typeface="+mj-lt"/>
-              </a:rPr>
-              <a:t>Môi</a:t>
-            </a:r>
-            <a:r>
-              <a:rPr lang="en-US" sz="2400" dirty="0">
-                <a:latin typeface="+mj-lt"/>
-              </a:rPr>
-              <a:t> </a:t>
-            </a:r>
-            <a:r>
-              <a:rPr lang="en-US" sz="2400" dirty="0" err="1">
-                <a:latin typeface="+mj-lt"/>
-              </a:rPr>
-              <a:t>trường</a:t>
-            </a:r>
-            <a:r>
-              <a:rPr lang="en-US" sz="2400" dirty="0">
-                <a:latin typeface="+mj-lt"/>
-              </a:rPr>
-              <a:t> </a:t>
-            </a:r>
-            <a:r>
-              <a:rPr lang="en-US" sz="2400" dirty="0" err="1">
-                <a:latin typeface="+mj-lt"/>
-              </a:rPr>
-              <a:t>thực</a:t>
-            </a:r>
-            <a:r>
-              <a:rPr lang="en-US" sz="2400" dirty="0">
-                <a:latin typeface="+mj-lt"/>
-              </a:rPr>
-              <a:t> </a:t>
-            </a:r>
-            <a:r>
-              <a:rPr lang="en-US" sz="2400" dirty="0" err="1">
-                <a:latin typeface="+mj-lt"/>
-              </a:rPr>
-              <a:t>nghiệm</a:t>
-            </a:r>
-            <a:r>
-              <a:rPr lang="en-US" sz="2400" dirty="0">
-                <a:latin typeface="+mj-lt"/>
-              </a:rPr>
-              <a:t>:</a:t>
-            </a:r>
-          </a:p>
           <a:p>
             <a:pPr>
               <a:buFontTx/>
@@ -12280,30 +12266,30 @@
               <a:buNone/>
             </a:pPr>
             <a:r>
-              <a:rPr lang="en-US" sz="2400" dirty="0" err="1">
+              <a:rPr lang="en-US" sz="2400" b="1" dirty="0" err="1">
                 <a:ea typeface="Times New Roman" panose="02020603050405020304" pitchFamily="18" charset="0"/>
               </a:rPr>
               <a:t>Đánh</a:t>
             </a:r>
             <a:r>
-              <a:rPr lang="en-US" sz="2400" dirty="0">
+              <a:rPr lang="en-US" sz="2400" b="1" dirty="0">
                 <a:ea typeface="Times New Roman" panose="02020603050405020304" pitchFamily="18" charset="0"/>
               </a:rPr>
               <a:t> </a:t>
             </a:r>
             <a:r>
-              <a:rPr lang="en-US" sz="2400" dirty="0" err="1">
+              <a:rPr lang="en-US" sz="2400" b="1" dirty="0" err="1">
                 <a:ea typeface="Times New Roman" panose="02020603050405020304" pitchFamily="18" charset="0"/>
               </a:rPr>
               <a:t>giá</a:t>
             </a:r>
             <a:r>
-              <a:rPr lang="en-US" sz="2400" dirty="0">
+              <a:rPr lang="en-US" sz="2400" b="1" dirty="0">
                 <a:ea typeface="Times New Roman" panose="02020603050405020304" pitchFamily="18" charset="0"/>
               </a:rPr>
               <a:t>:</a:t>
             </a:r>
-            <a:endParaRPr lang="en-US" sz="2400" dirty="0">
+            <a:endParaRPr lang="en-US" sz="2400" b="1" dirty="0">
               <a:effectLst/>
               <a:ea typeface="Times New Roman" panose="02020603050405020304" pitchFamily="18" charset="0"/>
             </a:endParaRPr>
@@ -12434,43 +12420,6 @@
           </a:bodyPr>
           <a:lstStyle/>
           <a:p>
-            <a:pPr marL="0" lvl="0" indent="0" algn="just">
-              <a:lnSpc>
-                <a:spcPct val="150000"/>
-              </a:lnSpc>
-              <a:spcBef>
-                <a:spcPts val="600"/>
-              </a:spcBef>
-              <a:spcAft>
-                <a:spcPts val="600"/>
-              </a:spcAft>
-              <a:buSzPts val="1200"/>
-              <a:buNone/>
-            </a:pPr>
-            <a:r>
-              <a:rPr lang="en-US" sz="2400" dirty="0" err="1">
-                <a:ea typeface="Times New Roman" panose="02020603050405020304" pitchFamily="18" charset="0"/>
-              </a:rPr>
-              <a:t>Đánh</a:t>
-            </a:r>
-            <a:r>
-              <a:rPr lang="en-US" sz="2400" dirty="0">
-                <a:ea typeface="Times New Roman" panose="02020603050405020304" pitchFamily="18" charset="0"/>
-              </a:rPr>
-              <a:t> </a:t>
-            </a:r>
-            <a:r>
-              <a:rPr lang="en-US" sz="2400" dirty="0" err="1">
-                <a:ea typeface="Times New Roman" panose="02020603050405020304" pitchFamily="18" charset="0"/>
-              </a:rPr>
-              <a:t>giá</a:t>
-            </a:r>
-            <a:endParaRPr lang="en-US" sz="2400" dirty="0">
-              <a:effectLst/>
-              <a:ea typeface="Times New Roman" panose="02020603050405020304" pitchFamily="18" charset="0"/>
-            </a:endParaRPr>
-          </a:p>
-          <a:p>
             <a:pPr marL="0" indent="0">
               <a:buNone/>
             </a:pPr>
@@ -12581,19 +12530,19 @@
               <a:buNone/>
             </a:pPr>
             <a:r>
-              <a:rPr lang="en-US" sz="2400" dirty="0" err="1"/>
+              <a:rPr lang="en-US" sz="2400" b="1" dirty="0" err="1"/>
               <a:t>Kết</a:t>
             </a:r>
             <a:r>
-              <a:rPr lang="en-US" sz="2400" dirty="0"/>
+              <a:rPr lang="en-US" sz="2400" b="1" dirty="0"/>
               <a:t> </a:t>
             </a:r>
             <a:r>
-              <a:rPr lang="en-US" sz="2400" dirty="0" err="1"/>
+              <a:rPr lang="en-US" sz="2400" b="1" dirty="0" err="1"/>
               <a:t>luận</a:t>
             </a:r>
             <a:r>
-              <a:rPr lang="en-US" sz="2400" dirty="0"/>
+              <a:rPr lang="en-US" sz="2400" b="1" dirty="0"/>
               <a:t>:</a:t>
             </a:r>
           </a:p>
@@ -12743,7 +12692,7 @@
               <a:buNone/>
             </a:pPr>
             <a:r>
-              <a:rPr lang="vi-VN" sz="2400" dirty="0">
+              <a:rPr lang="vi-VN" sz="2400" b="1" dirty="0">
                 <a:effectLst/>
                 <a:latin typeface="Palatino Linotype" panose="02040502050505030304" pitchFamily="18" charset="0"/>
                 <a:ea typeface="Times New Roman" panose="02020603050405020304" pitchFamily="18" charset="0"/>
@@ -13590,7 +13539,7 @@
               <a:buNone/>
             </a:pPr>
             <a:r>
-              <a:rPr lang="en-US" dirty="0" err="1">
+              <a:rPr lang="en-US" b="1" dirty="0" err="1">
                 <a:solidFill>
                   <a:srgbClr val="FFFFFE"/>
                 </a:solidFill>
@@ -13599,7 +13548,7 @@
               <a:t>Ứng</a:t>
             </a:r>
             <a:r>
-              <a:rPr lang="en-US" dirty="0">
+              <a:rPr lang="en-US" b="1" dirty="0">
                 <a:solidFill>
                   <a:srgbClr val="FFFFFE"/>
                 </a:solidFill>
@@ -13608,7 +13557,7 @@
               <a:t> </a:t>
             </a:r>
             <a:r>
-              <a:rPr lang="en-US" dirty="0" err="1">
+              <a:rPr lang="en-US" b="1" dirty="0" err="1">
                 <a:solidFill>
                   <a:srgbClr val="FFFFFE"/>
                 </a:solidFill>
@@ -13617,7 +13566,7 @@
               <a:t>dụng</a:t>
             </a:r>
             <a:r>
-              <a:rPr lang="en-US" dirty="0">
+              <a:rPr lang="en-US" b="1" dirty="0">
                 <a:solidFill>
                   <a:srgbClr val="FFFFFE"/>
                 </a:solidFill>
